--- a/ch01/技术清单.pptx
+++ b/ch01/技术清单.pptx
@@ -13,6 +13,7 @@
     <p:sldId id="261" r:id="rId8"/>
     <p:sldId id="262" r:id="rId9"/>
     <p:sldId id="263" r:id="rId10"/>
+    <p:sldId id="264" r:id="rId11"/>
   </p:sldIdLst>
   <p:sldSz cx="12192000" cy="6858000"/>
   <p:notesSz cx="6858000" cy="9144000"/>
@@ -4260,6 +4261,229 @@
 </p:sld>
 </file>
 
+<file path=ppt/slides/slide9.xml><?xml version="1.0" encoding="utf-8"?>
+<p:sld xmlns:a="http://schemas.openxmlformats.org/drawingml/2006/main" xmlns:r="http://schemas.openxmlformats.org/officeDocument/2006/relationships" xmlns:p="http://schemas.openxmlformats.org/presentationml/2006/main">
+  <p:cSld>
+    <p:spTree>
+      <p:nvGrpSpPr>
+        <p:cNvPr id="1" name=""/>
+        <p:cNvGrpSpPr/>
+        <p:nvPr/>
+      </p:nvGrpSpPr>
+      <p:grpSpPr/>
+      <p:sp>
+        <p:nvSpPr>
+          <p:cNvPr id="2" name="标题 1"/>
+          <p:cNvSpPr>
+            <a:spLocks noGrp="1"/>
+          </p:cNvSpPr>
+          <p:nvPr>
+            <p:ph type="title"/>
+          </p:nvPr>
+        </p:nvSpPr>
+        <p:spPr>
+          <a:xfrm>
+            <a:off x="838200" y="365125"/>
+            <a:ext cx="10515600" cy="856615"/>
+          </a:xfrm>
+        </p:spPr>
+        <p:txBody>
+          <a:bodyPr>
+            <a:normAutofit/>
+          </a:bodyPr>
+          <a:p>
+            <a:r>
+              <a:rPr lang="zh-CN" altLang="en-US" sz="3600"/>
+              <a:t>数据库</a:t>
+            </a:r>
+            <a:endParaRPr lang="zh-CN" altLang="en-US" sz="3600"/>
+          </a:p>
+        </p:txBody>
+      </p:sp>
+      <p:sp>
+        <p:nvSpPr>
+          <p:cNvPr id="3" name="内容占位符 2"/>
+          <p:cNvSpPr>
+            <a:spLocks noGrp="1"/>
+          </p:cNvSpPr>
+          <p:nvPr>
+            <p:ph idx="1"/>
+          </p:nvPr>
+        </p:nvSpPr>
+        <p:spPr>
+          <a:xfrm>
+            <a:off x="838200" y="1316355"/>
+            <a:ext cx="10515600" cy="4860925"/>
+          </a:xfrm>
+        </p:spPr>
+        <p:txBody>
+          <a:bodyPr>
+            <a:normAutofit/>
+          </a:bodyPr>
+          <a:p>
+            <a:pPr marL="0" indent="0" fontAlgn="auto">
+              <a:lnSpc>
+                <a:spcPct val="150000"/>
+              </a:lnSpc>
+              <a:buNone/>
+            </a:pPr>
+            <a:r>
+              <a:rPr lang="zh-CN" altLang="en-US">
+                <a:solidFill>
+                  <a:schemeClr val="tx1"/>
+                </a:solidFill>
+                <a:uFillTx/>
+                <a:latin typeface="FreeMono" panose="020F0409020205020404" charset="0"/>
+                <a:ea typeface="Noto Sans Mono CJK SC" panose="020B0500000000000000" charset="-122"/>
+                <a:cs typeface="Noto Sans Mono CJK SC" panose="020B0500000000000000" charset="-122"/>
+              </a:rPr>
+              <a:t>用于和微信服务器对接的场景，有可能会用到数据库记录用户数据，或者需要做一些业务处理比如订单。</a:t>
+            </a:r>
+            <a:endParaRPr lang="zh-CN" altLang="en-US">
+              <a:solidFill>
+                <a:schemeClr val="tx1"/>
+              </a:solidFill>
+              <a:uFillTx/>
+              <a:latin typeface="FreeMono" panose="020F0409020205020404" charset="0"/>
+              <a:ea typeface="Noto Sans Mono CJK SC" panose="020B0500000000000000" charset="-122"/>
+              <a:cs typeface="Noto Sans Mono CJK SC" panose="020B0500000000000000" charset="-122"/>
+            </a:endParaRPr>
+          </a:p>
+          <a:p>
+            <a:pPr marL="0" indent="0" fontAlgn="auto">
+              <a:lnSpc>
+                <a:spcPct val="150000"/>
+              </a:lnSpc>
+              <a:buNone/>
+            </a:pPr>
+            <a:r>
+              <a:rPr lang="zh-CN" altLang="en-US">
+                <a:solidFill>
+                  <a:schemeClr val="tx1"/>
+                </a:solidFill>
+                <a:uFillTx/>
+                <a:latin typeface="FreeMono" panose="020F0409020205020404" charset="0"/>
+                <a:ea typeface="Noto Sans Mono CJK SC" panose="020B0500000000000000" charset="-122"/>
+                <a:cs typeface="Noto Sans Mono CJK SC" panose="020B0500000000000000" charset="-122"/>
+              </a:rPr>
+              <a:t>开发者需要具备使用编程语言操作数据库的能力，本课程使用了</a:t>
+            </a:r>
+            <a:r>
+              <a:rPr lang="en-US" altLang="zh-CN">
+                <a:solidFill>
+                  <a:schemeClr val="tx1"/>
+                </a:solidFill>
+                <a:uFillTx/>
+                <a:latin typeface="FreeMono" panose="020F0409020205020404" charset="0"/>
+                <a:ea typeface="Noto Sans Mono CJK SC" panose="020B0500000000000000" charset="-122"/>
+                <a:cs typeface="Noto Sans Mono CJK SC" panose="020B0500000000000000" charset="-122"/>
+              </a:rPr>
+              <a:t>MariaDB</a:t>
+            </a:r>
+            <a:r>
+              <a:rPr lang="zh-CN" altLang="en-US">
+                <a:solidFill>
+                  <a:schemeClr val="tx1"/>
+                </a:solidFill>
+                <a:uFillTx/>
+                <a:latin typeface="FreeMono" panose="020F0409020205020404" charset="0"/>
+                <a:ea typeface="Noto Sans Mono CJK SC" panose="020B0500000000000000" charset="-122"/>
+                <a:cs typeface="Noto Sans Mono CJK SC" panose="020B0500000000000000" charset="-122"/>
+              </a:rPr>
+              <a:t>数据库软件：这个软件是</a:t>
+            </a:r>
+            <a:r>
+              <a:rPr lang="en-US" altLang="zh-CN">
+                <a:solidFill>
+                  <a:schemeClr val="tx1"/>
+                </a:solidFill>
+                <a:uFillTx/>
+                <a:latin typeface="FreeMono" panose="020F0409020205020404" charset="0"/>
+                <a:ea typeface="Noto Sans Mono CJK SC" panose="020B0500000000000000" charset="-122"/>
+                <a:cs typeface="Noto Sans Mono CJK SC" panose="020B0500000000000000" charset="-122"/>
+              </a:rPr>
+              <a:t>MySQL</a:t>
+            </a:r>
+            <a:r>
+              <a:rPr lang="zh-CN" altLang="en-US">
+                <a:solidFill>
+                  <a:schemeClr val="tx1"/>
+                </a:solidFill>
+                <a:uFillTx/>
+                <a:latin typeface="FreeMono" panose="020F0409020205020404" charset="0"/>
+                <a:ea typeface="Noto Sans Mono CJK SC" panose="020B0500000000000000" charset="-122"/>
+                <a:cs typeface="Noto Sans Mono CJK SC" panose="020B0500000000000000" charset="-122"/>
+              </a:rPr>
+              <a:t>创始人创建的一个</a:t>
+            </a:r>
+            <a:r>
+              <a:rPr lang="en-US" altLang="zh-CN">
+                <a:solidFill>
+                  <a:schemeClr val="tx1"/>
+                </a:solidFill>
+                <a:uFillTx/>
+                <a:latin typeface="FreeMono" panose="020F0409020205020404" charset="0"/>
+                <a:ea typeface="Noto Sans Mono CJK SC" panose="020B0500000000000000" charset="-122"/>
+                <a:cs typeface="Noto Sans Mono CJK SC" panose="020B0500000000000000" charset="-122"/>
+              </a:rPr>
+              <a:t>MySQL</a:t>
+            </a:r>
+            <a:r>
+              <a:rPr lang="zh-CN" altLang="en-US">
+                <a:solidFill>
+                  <a:schemeClr val="tx1"/>
+                </a:solidFill>
+                <a:uFillTx/>
+                <a:latin typeface="FreeMono" panose="020F0409020205020404" charset="0"/>
+                <a:ea typeface="Noto Sans Mono CJK SC" panose="020B0500000000000000" charset="-122"/>
+                <a:cs typeface="Noto Sans Mono CJK SC" panose="020B0500000000000000" charset="-122"/>
+              </a:rPr>
+              <a:t>分支，现在已经独立开发，是绝对开源的，使用方式和</a:t>
+            </a:r>
+            <a:r>
+              <a:rPr lang="en-US" altLang="zh-CN">
+                <a:solidFill>
+                  <a:schemeClr val="tx1"/>
+                </a:solidFill>
+                <a:uFillTx/>
+                <a:latin typeface="FreeMono" panose="020F0409020205020404" charset="0"/>
+                <a:ea typeface="Noto Sans Mono CJK SC" panose="020B0500000000000000" charset="-122"/>
+                <a:cs typeface="Noto Sans Mono CJK SC" panose="020B0500000000000000" charset="-122"/>
+              </a:rPr>
+              <a:t>MySQL</a:t>
+            </a:r>
+            <a:r>
+              <a:rPr lang="zh-CN" altLang="en-US">
+                <a:solidFill>
+                  <a:schemeClr val="tx1"/>
+                </a:solidFill>
+                <a:uFillTx/>
+                <a:latin typeface="FreeMono" panose="020F0409020205020404" charset="0"/>
+                <a:ea typeface="Noto Sans Mono CJK SC" panose="020B0500000000000000" charset="-122"/>
+                <a:cs typeface="Noto Sans Mono CJK SC" panose="020B0500000000000000" charset="-122"/>
+              </a:rPr>
+              <a:t>相同。</a:t>
+            </a:r>
+            <a:endParaRPr lang="zh-CN" altLang="en-US">
+              <a:solidFill>
+                <a:schemeClr val="tx1"/>
+              </a:solidFill>
+              <a:uFillTx/>
+              <a:latin typeface="FreeMono" panose="020F0409020205020404" charset="0"/>
+              <a:ea typeface="Noto Sans Mono CJK SC" panose="020B0500000000000000" charset="-122"/>
+              <a:cs typeface="Noto Sans Mono CJK SC" panose="020B0500000000000000" charset="-122"/>
+            </a:endParaRPr>
+          </a:p>
+        </p:txBody>
+      </p:sp>
+    </p:spTree>
+  </p:cSld>
+  <p:clrMapOvr>
+    <a:masterClrMapping/>
+  </p:clrMapOvr>
+</p:sld>
+</file>
+
 <file path=ppt/theme/theme1.xml><?xml version="1.0" encoding="utf-8"?>
 <a:theme xmlns:a="http://schemas.openxmlformats.org/drawingml/2006/main" name="Office 主题">
   <a:themeElements>

--- a/ch01/技术清单.pptx
+++ b/ch01/技术清单.pptx
@@ -14,6 +14,7 @@
     <p:sldId id="262" r:id="rId9"/>
     <p:sldId id="263" r:id="rId10"/>
     <p:sldId id="264" r:id="rId11"/>
+    <p:sldId id="265" r:id="rId12"/>
   </p:sldIdLst>
   <p:sldSz cx="12192000" cy="6858000"/>
   <p:notesSz cx="6858000" cy="9144000"/>
@@ -2952,6 +2953,79 @@
 </p:sld>
 </file>
 
+<file path=ppt/slides/slide10.xml><?xml version="1.0" encoding="utf-8"?>
+<p:sld xmlns:a="http://schemas.openxmlformats.org/drawingml/2006/main" xmlns:r="http://schemas.openxmlformats.org/officeDocument/2006/relationships" xmlns:p="http://schemas.openxmlformats.org/presentationml/2006/main">
+  <p:cSld>
+    <p:spTree>
+      <p:nvGrpSpPr>
+        <p:cNvPr id="1" name=""/>
+        <p:cNvGrpSpPr/>
+        <p:nvPr/>
+      </p:nvGrpSpPr>
+      <p:grpSpPr/>
+      <p:sp>
+        <p:nvSpPr>
+          <p:cNvPr id="2" name="标题 1"/>
+          <p:cNvSpPr>
+            <a:spLocks noGrp="1"/>
+          </p:cNvSpPr>
+          <p:nvPr>
+            <p:ph type="title"/>
+          </p:nvPr>
+        </p:nvSpPr>
+        <p:spPr>
+          <a:xfrm>
+            <a:off x="838200" y="365125"/>
+            <a:ext cx="10515600" cy="856615"/>
+          </a:xfrm>
+        </p:spPr>
+        <p:txBody>
+          <a:bodyPr>
+            <a:normAutofit/>
+          </a:bodyPr>
+          <a:p>
+            <a:r>
+              <a:rPr lang="zh-CN" altLang="en-US" sz="3600"/>
+              <a:t>整体通信架构图示</a:t>
+            </a:r>
+            <a:endParaRPr lang="zh-CN" altLang="en-US" sz="3600"/>
+          </a:p>
+        </p:txBody>
+      </p:sp>
+      <p:pic>
+        <p:nvPicPr>
+          <p:cNvPr id="6" name="内容占位符 5" descr="整体通信架构"/>
+          <p:cNvPicPr>
+            <a:picLocks noChangeAspect="1"/>
+          </p:cNvPicPr>
+          <p:nvPr>
+            <p:ph idx="1"/>
+          </p:nvPr>
+        </p:nvPicPr>
+        <p:blipFill>
+          <a:blip r:embed="rId1"/>
+          <a:stretch>
+            <a:fillRect/>
+          </a:stretch>
+        </p:blipFill>
+        <p:spPr>
+          <a:xfrm>
+            <a:off x="1048385" y="1083945"/>
+            <a:ext cx="10111105" cy="5690870"/>
+          </a:xfrm>
+          <a:prstGeom prst="rect">
+            <a:avLst/>
+          </a:prstGeom>
+        </p:spPr>
+      </p:pic>
+    </p:spTree>
+  </p:cSld>
+  <p:clrMapOvr>
+    <a:masterClrMapping/>
+  </p:clrMapOvr>
+</p:sld>
+</file>
+
 <file path=ppt/slides/slide2.xml><?xml version="1.0" encoding="utf-8"?>
 <p:sld xmlns:a="http://schemas.openxmlformats.org/drawingml/2006/main" xmlns:r="http://schemas.openxmlformats.org/officeDocument/2006/relationships" xmlns:p="http://schemas.openxmlformats.org/presentationml/2006/main">
   <p:cSld>

--- a/ch01/技术清单.pptx
+++ b/ch01/技术清单.pptx
@@ -3614,6 +3614,23 @@
               <a:cs typeface="Noto Sans Mono CJK SC" panose="020B0500000000000000" charset="-122"/>
             </a:endParaRPr>
           </a:p>
+          <a:p>
+            <a:pPr marL="0" indent="0" fontAlgn="auto">
+              <a:lnSpc>
+                <a:spcPct val="150000"/>
+              </a:lnSpc>
+              <a:buNone/>
+            </a:pPr>
+            <a:endParaRPr lang="zh-CN" altLang="en-US">
+              <a:solidFill>
+                <a:schemeClr val="tx1"/>
+              </a:solidFill>
+              <a:uFillTx/>
+              <a:latin typeface="FreeMono" panose="020F0409020205020404" charset="0"/>
+              <a:ea typeface="Noto Sans Mono CJK SC" panose="020B0500000000000000" charset="-122"/>
+              <a:cs typeface="Noto Sans Mono CJK SC" panose="020B0500000000000000" charset="-122"/>
+            </a:endParaRPr>
+          </a:p>
         </p:txBody>
       </p:sp>
     </p:spTree>

--- a/ch01/技术清单.pptx
+++ b/ch01/技术清单.pptx
@@ -11,9 +11,9 @@
     <p:sldId id="259" r:id="rId6"/>
     <p:sldId id="260" r:id="rId7"/>
     <p:sldId id="261" r:id="rId8"/>
-    <p:sldId id="262" r:id="rId9"/>
-    <p:sldId id="263" r:id="rId10"/>
-    <p:sldId id="264" r:id="rId11"/>
+    <p:sldId id="263" r:id="rId9"/>
+    <p:sldId id="264" r:id="rId10"/>
+    <p:sldId id="262" r:id="rId11"/>
     <p:sldId id="265" r:id="rId12"/>
   </p:sldIdLst>
   <p:sldSz cx="12192000" cy="6858000"/>
@@ -2975,26 +2975,26 @@
         </p:nvSpPr>
         <p:spPr>
           <a:xfrm>
-            <a:off x="838200" y="365125"/>
-            <a:ext cx="10515600" cy="856615"/>
+            <a:off x="334010" y="143510"/>
+            <a:ext cx="10515600" cy="547370"/>
           </a:xfrm>
         </p:spPr>
         <p:txBody>
           <a:bodyPr>
-            <a:normAutofit/>
+            <a:normAutofit fontScale="90000"/>
           </a:bodyPr>
           <a:p>
             <a:r>
-              <a:rPr lang="zh-CN" altLang="en-US" sz="3600"/>
+              <a:rPr lang="zh-CN" altLang="en-US" sz="3200"/>
               <a:t>整体通信架构图示</a:t>
             </a:r>
-            <a:endParaRPr lang="zh-CN" altLang="en-US" sz="3600"/>
+            <a:endParaRPr lang="zh-CN" altLang="en-US" sz="3200"/>
           </a:p>
         </p:txBody>
       </p:sp>
       <p:pic>
         <p:nvPicPr>
-          <p:cNvPr id="6" name="内容占位符 5" descr="整体通信架构"/>
+          <p:cNvPr id="4" name="内容占位符 3" descr="整体架构"/>
           <p:cNvPicPr>
             <a:picLocks noChangeAspect="1"/>
           </p:cNvPicPr>
@@ -3010,8 +3010,8 @@
         </p:blipFill>
         <p:spPr>
           <a:xfrm>
-            <a:off x="1048385" y="1083945"/>
-            <a:ext cx="10111105" cy="5690870"/>
+            <a:off x="491490" y="657860"/>
+            <a:ext cx="10928985" cy="6147435"/>
           </a:xfrm>
           <a:prstGeom prst="rect">
             <a:avLst/>
@@ -3834,13 +3834,15 @@
           </a:xfrm>
         </p:spPr>
         <p:txBody>
-          <a:bodyPr/>
-          <a:p>
-            <a:r>
-              <a:rPr lang="zh-CN" altLang="en-US" sz="3600"/>
-              <a:t>搭建云服务器环境</a:t>
-            </a:r>
-            <a:endParaRPr lang="zh-CN" altLang="en-US" sz="3600"/>
+          <a:bodyPr>
+            <a:normAutofit/>
+          </a:bodyPr>
+          <a:p>
+            <a:r>
+              <a:rPr lang="en-US" altLang="zh-CN" sz="3600"/>
+              <a:t>Linux</a:t>
+            </a:r>
+            <a:endParaRPr lang="en-US" altLang="zh-CN" sz="3600"/>
           </a:p>
         </p:txBody>
       </p:sp>
@@ -3881,7 +3883,127 @@
                 <a:ea typeface="Noto Sans Mono CJK SC" panose="020B0500000000000000" charset="-122"/>
                 <a:cs typeface="Noto Sans Mono CJK SC" panose="020B0500000000000000" charset="-122"/>
               </a:rPr>
-              <a:t>国内的云服务器提供商很多，比较好的是阿里云和腾讯云。用于微信公众号和小程序最好不要使用国外的云服务器，尤其是小程序，可能审核就不通过。</a:t>
+              <a:t>尽管这不是必需的，测试接口也可以在</a:t>
+            </a:r>
+            <a:r>
+              <a:rPr lang="en-US" altLang="zh-CN">
+                <a:solidFill>
+                  <a:schemeClr val="tx1"/>
+                </a:solidFill>
+                <a:uFillTx/>
+                <a:latin typeface="FreeMono" panose="020F0409020205020404" charset="0"/>
+                <a:ea typeface="Noto Sans Mono CJK SC" panose="020B0500000000000000" charset="-122"/>
+                <a:cs typeface="Noto Sans Mono CJK SC" panose="020B0500000000000000" charset="-122"/>
+              </a:rPr>
+              <a:t>Windows</a:t>
+            </a:r>
+            <a:r>
+              <a:rPr lang="zh-CN" altLang="en-US">
+                <a:solidFill>
+                  <a:schemeClr val="tx1"/>
+                </a:solidFill>
+                <a:uFillTx/>
+                <a:latin typeface="FreeMono" panose="020F0409020205020404" charset="0"/>
+                <a:ea typeface="Noto Sans Mono CJK SC" panose="020B0500000000000000" charset="-122"/>
+                <a:cs typeface="Noto Sans Mono CJK SC" panose="020B0500000000000000" charset="-122"/>
+              </a:rPr>
+              <a:t>下进行。但是最好还是使用</a:t>
+            </a:r>
+            <a:r>
+              <a:rPr lang="en-US" altLang="zh-CN">
+                <a:solidFill>
+                  <a:schemeClr val="tx1"/>
+                </a:solidFill>
+                <a:uFillTx/>
+                <a:latin typeface="FreeMono" panose="020F0409020205020404" charset="0"/>
+                <a:ea typeface="Noto Sans Mono CJK SC" panose="020B0500000000000000" charset="-122"/>
+                <a:cs typeface="Noto Sans Mono CJK SC" panose="020B0500000000000000" charset="-122"/>
+              </a:rPr>
+              <a:t>Linux</a:t>
+            </a:r>
+            <a:r>
+              <a:rPr lang="zh-CN" altLang="en-US">
+                <a:solidFill>
+                  <a:schemeClr val="tx1"/>
+                </a:solidFill>
+                <a:uFillTx/>
+                <a:latin typeface="FreeMono" panose="020F0409020205020404" charset="0"/>
+                <a:ea typeface="Noto Sans Mono CJK SC" panose="020B0500000000000000" charset="-122"/>
+                <a:cs typeface="Noto Sans Mono CJK SC" panose="020B0500000000000000" charset="-122"/>
+              </a:rPr>
+              <a:t>作为开发环境。并且大部分公司生产环境的部署都是</a:t>
+            </a:r>
+            <a:r>
+              <a:rPr lang="en-US" altLang="zh-CN">
+                <a:solidFill>
+                  <a:schemeClr val="tx1"/>
+                </a:solidFill>
+                <a:uFillTx/>
+                <a:latin typeface="FreeMono" panose="020F0409020205020404" charset="0"/>
+                <a:ea typeface="Noto Sans Mono CJK SC" panose="020B0500000000000000" charset="-122"/>
+                <a:cs typeface="Noto Sans Mono CJK SC" panose="020B0500000000000000" charset="-122"/>
+              </a:rPr>
+              <a:t>Linux</a:t>
+            </a:r>
+            <a:r>
+              <a:rPr lang="zh-CN" altLang="en-US">
+                <a:solidFill>
+                  <a:schemeClr val="tx1"/>
+                </a:solidFill>
+                <a:uFillTx/>
+                <a:latin typeface="FreeMono" panose="020F0409020205020404" charset="0"/>
+                <a:ea typeface="Noto Sans Mono CJK SC" panose="020B0500000000000000" charset="-122"/>
+                <a:cs typeface="Noto Sans Mono CJK SC" panose="020B0500000000000000" charset="-122"/>
+              </a:rPr>
+              <a:t>（发行版以</a:t>
+            </a:r>
+            <a:r>
+              <a:rPr lang="en-US" altLang="zh-CN">
+                <a:solidFill>
+                  <a:schemeClr val="tx1"/>
+                </a:solidFill>
+                <a:uFillTx/>
+                <a:latin typeface="FreeMono" panose="020F0409020205020404" charset="0"/>
+                <a:ea typeface="Noto Sans Mono CJK SC" panose="020B0500000000000000" charset="-122"/>
+                <a:cs typeface="Noto Sans Mono CJK SC" panose="020B0500000000000000" charset="-122"/>
+              </a:rPr>
+              <a:t>Debian/Ubuntu</a:t>
+            </a:r>
+            <a:r>
+              <a:rPr lang="zh-CN" altLang="en-US">
+                <a:solidFill>
+                  <a:schemeClr val="tx1"/>
+                </a:solidFill>
+                <a:uFillTx/>
+                <a:latin typeface="FreeMono" panose="020F0409020205020404" charset="0"/>
+                <a:ea typeface="Noto Sans Mono CJK SC" panose="020B0500000000000000" charset="-122"/>
+                <a:cs typeface="Noto Sans Mono CJK SC" panose="020B0500000000000000" charset="-122"/>
+              </a:rPr>
+              <a:t>，</a:t>
+            </a:r>
+            <a:r>
+              <a:rPr lang="en-US" altLang="zh-CN">
+                <a:solidFill>
+                  <a:schemeClr val="tx1"/>
+                </a:solidFill>
+                <a:uFillTx/>
+                <a:latin typeface="FreeMono" panose="020F0409020205020404" charset="0"/>
+                <a:ea typeface="Noto Sans Mono CJK SC" panose="020B0500000000000000" charset="-122"/>
+                <a:cs typeface="Noto Sans Mono CJK SC" panose="020B0500000000000000" charset="-122"/>
+              </a:rPr>
+              <a:t>RedHat/CentOS</a:t>
+            </a:r>
+            <a:r>
+              <a:rPr lang="zh-CN" altLang="en-US">
+                <a:solidFill>
+                  <a:schemeClr val="tx1"/>
+                </a:solidFill>
+                <a:uFillTx/>
+                <a:latin typeface="FreeMono" panose="020F0409020205020404" charset="0"/>
+                <a:ea typeface="Noto Sans Mono CJK SC" panose="020B0500000000000000" charset="-122"/>
+                <a:cs typeface="Noto Sans Mono CJK SC" panose="020B0500000000000000" charset="-122"/>
+              </a:rPr>
+              <a:t>居多）。</a:t>
             </a:r>
             <a:endParaRPr lang="zh-CN" altLang="en-US">
               <a:solidFill>
@@ -3910,7 +4032,7 @@
                 <a:ea typeface="Noto Sans Mono CJK SC" panose="020B0500000000000000" charset="-122"/>
                 <a:cs typeface="Noto Sans Mono CJK SC" panose="020B0500000000000000" charset="-122"/>
               </a:rPr>
-              <a:t>搭建云服务器环境需要的条件：域名</a:t>
+              <a:t>而微信小程序的集成开发环境只提供了</a:t>
             </a:r>
             <a:r>
               <a:rPr lang="en-US" altLang="zh-CN">
@@ -3922,7 +4044,7 @@
                 <a:ea typeface="Noto Sans Mono CJK SC" panose="020B0500000000000000" charset="-122"/>
                 <a:cs typeface="Noto Sans Mono CJK SC" panose="020B0500000000000000" charset="-122"/>
               </a:rPr>
-              <a:t>+</a:t>
+              <a:t>Windows</a:t>
             </a:r>
             <a:r>
               <a:rPr lang="zh-CN" altLang="en-US">
@@ -3934,25 +4056,20 @@
                 <a:ea typeface="Noto Sans Mono CJK SC" panose="020B0500000000000000" charset="-122"/>
                 <a:cs typeface="Noto Sans Mono CJK SC" panose="020B0500000000000000" charset="-122"/>
               </a:rPr>
-              <a:t>云服务器。</a:t>
-            </a:r>
-            <a:endParaRPr lang="zh-CN" altLang="en-US">
-              <a:solidFill>
-                <a:schemeClr val="tx1"/>
-              </a:solidFill>
-              <a:uFillTx/>
-              <a:latin typeface="FreeMono" panose="020F0409020205020404" charset="0"/>
-              <a:ea typeface="Noto Sans Mono CJK SC" panose="020B0500000000000000" charset="-122"/>
-              <a:cs typeface="Noto Sans Mono CJK SC" panose="020B0500000000000000" charset="-122"/>
-            </a:endParaRPr>
-          </a:p>
-          <a:p>
-            <a:pPr marL="0" indent="0" fontAlgn="auto">
-              <a:lnSpc>
-                <a:spcPct val="150000"/>
-              </a:lnSpc>
-              <a:buNone/>
-            </a:pPr>
+              <a:t>和</a:t>
+            </a:r>
+            <a:r>
+              <a:rPr lang="en-US" altLang="zh-CN">
+                <a:solidFill>
+                  <a:schemeClr val="tx1"/>
+                </a:solidFill>
+                <a:uFillTx/>
+                <a:latin typeface="FreeMono" panose="020F0409020205020404" charset="0"/>
+                <a:ea typeface="Noto Sans Mono CJK SC" panose="020B0500000000000000" charset="-122"/>
+                <a:cs typeface="Noto Sans Mono CJK SC" panose="020B0500000000000000" charset="-122"/>
+              </a:rPr>
+              <a:t>MacOS</a:t>
+            </a:r>
             <a:r>
               <a:rPr lang="zh-CN" altLang="en-US">
                 <a:solidFill>
@@ -3963,79 +4080,7 @@
                 <a:ea typeface="Noto Sans Mono CJK SC" panose="020B0500000000000000" charset="-122"/>
                 <a:cs typeface="Noto Sans Mono CJK SC" panose="020B0500000000000000" charset="-122"/>
               </a:rPr>
-              <a:t>把域名解析到云服务器的</a:t>
-            </a:r>
-            <a:r>
-              <a:rPr lang="en-US" altLang="zh-CN">
-                <a:solidFill>
-                  <a:schemeClr val="tx1"/>
-                </a:solidFill>
-                <a:uFillTx/>
-                <a:latin typeface="FreeMono" panose="020F0409020205020404" charset="0"/>
-                <a:ea typeface="Noto Sans Mono CJK SC" panose="020B0500000000000000" charset="-122"/>
-                <a:cs typeface="Noto Sans Mono CJK SC" panose="020B0500000000000000" charset="-122"/>
-              </a:rPr>
-              <a:t>IP</a:t>
-            </a:r>
-            <a:r>
-              <a:rPr lang="zh-CN" altLang="en-US">
-                <a:solidFill>
-                  <a:schemeClr val="tx1"/>
-                </a:solidFill>
-                <a:uFillTx/>
-                <a:latin typeface="FreeMono" panose="020F0409020205020404" charset="0"/>
-                <a:ea typeface="Noto Sans Mono CJK SC" panose="020B0500000000000000" charset="-122"/>
-                <a:cs typeface="Noto Sans Mono CJK SC" panose="020B0500000000000000" charset="-122"/>
-              </a:rPr>
-              <a:t>地址，防火墙配置要开启</a:t>
-            </a:r>
-            <a:r>
-              <a:rPr lang="en-US" altLang="zh-CN">
-                <a:solidFill>
-                  <a:schemeClr val="tx1"/>
-                </a:solidFill>
-                <a:uFillTx/>
-                <a:latin typeface="FreeMono" panose="020F0409020205020404" charset="0"/>
-                <a:ea typeface="Noto Sans Mono CJK SC" panose="020B0500000000000000" charset="-122"/>
-                <a:cs typeface="Noto Sans Mono CJK SC" panose="020B0500000000000000" charset="-122"/>
-              </a:rPr>
-              <a:t>80</a:t>
-            </a:r>
-            <a:r>
-              <a:rPr lang="zh-CN" altLang="en-US">
-                <a:solidFill>
-                  <a:schemeClr val="tx1"/>
-                </a:solidFill>
-                <a:uFillTx/>
-                <a:latin typeface="FreeMono" panose="020F0409020205020404" charset="0"/>
-                <a:ea typeface="Noto Sans Mono CJK SC" panose="020B0500000000000000" charset="-122"/>
-                <a:cs typeface="Noto Sans Mono CJK SC" panose="020B0500000000000000" charset="-122"/>
-              </a:rPr>
-              <a:t>和</a:t>
-            </a:r>
-            <a:r>
-              <a:rPr lang="en-US" altLang="zh-CN">
-                <a:solidFill>
-                  <a:schemeClr val="tx1"/>
-                </a:solidFill>
-                <a:uFillTx/>
-                <a:latin typeface="FreeMono" panose="020F0409020205020404" charset="0"/>
-                <a:ea typeface="Noto Sans Mono CJK SC" panose="020B0500000000000000" charset="-122"/>
-                <a:cs typeface="Noto Sans Mono CJK SC" panose="020B0500000000000000" charset="-122"/>
-              </a:rPr>
-              <a:t>443</a:t>
-            </a:r>
-            <a:r>
-              <a:rPr lang="zh-CN" altLang="en-US">
-                <a:solidFill>
-                  <a:schemeClr val="tx1"/>
-                </a:solidFill>
-                <a:uFillTx/>
-                <a:latin typeface="FreeMono" panose="020F0409020205020404" charset="0"/>
-                <a:ea typeface="Noto Sans Mono CJK SC" panose="020B0500000000000000" charset="-122"/>
-                <a:cs typeface="Noto Sans Mono CJK SC" panose="020B0500000000000000" charset="-122"/>
-              </a:rPr>
-              <a:t>端口。这些操作都在云厂商的控制台页面操作。</a:t>
+              <a:t>版本，所以对不同的场景选择合适的工具。</a:t>
             </a:r>
             <a:endParaRPr lang="zh-CN" altLang="en-US">
               <a:solidFill>
@@ -4089,10 +4134,10 @@
           </a:bodyPr>
           <a:p>
             <a:r>
-              <a:rPr lang="en-US" altLang="zh-CN" sz="3600"/>
-              <a:t>Linux</a:t>
-            </a:r>
-            <a:endParaRPr lang="en-US" altLang="zh-CN" sz="3600"/>
+              <a:rPr lang="zh-CN" altLang="en-US" sz="3600"/>
+              <a:t>数据库</a:t>
+            </a:r>
+            <a:endParaRPr lang="zh-CN" altLang="en-US" sz="3600"/>
           </a:p>
         </p:txBody>
       </p:sp>
@@ -4133,127 +4178,7 @@
                 <a:ea typeface="Noto Sans Mono CJK SC" panose="020B0500000000000000" charset="-122"/>
                 <a:cs typeface="Noto Sans Mono CJK SC" panose="020B0500000000000000" charset="-122"/>
               </a:rPr>
-              <a:t>尽管这不是必需的，测试接口也可以在</a:t>
-            </a:r>
-            <a:r>
-              <a:rPr lang="en-US" altLang="zh-CN">
-                <a:solidFill>
-                  <a:schemeClr val="tx1"/>
-                </a:solidFill>
-                <a:uFillTx/>
-                <a:latin typeface="FreeMono" panose="020F0409020205020404" charset="0"/>
-                <a:ea typeface="Noto Sans Mono CJK SC" panose="020B0500000000000000" charset="-122"/>
-                <a:cs typeface="Noto Sans Mono CJK SC" panose="020B0500000000000000" charset="-122"/>
-              </a:rPr>
-              <a:t>Windows</a:t>
-            </a:r>
-            <a:r>
-              <a:rPr lang="zh-CN" altLang="en-US">
-                <a:solidFill>
-                  <a:schemeClr val="tx1"/>
-                </a:solidFill>
-                <a:uFillTx/>
-                <a:latin typeface="FreeMono" panose="020F0409020205020404" charset="0"/>
-                <a:ea typeface="Noto Sans Mono CJK SC" panose="020B0500000000000000" charset="-122"/>
-                <a:cs typeface="Noto Sans Mono CJK SC" panose="020B0500000000000000" charset="-122"/>
-              </a:rPr>
-              <a:t>下进行。但是最好还是使用</a:t>
-            </a:r>
-            <a:r>
-              <a:rPr lang="en-US" altLang="zh-CN">
-                <a:solidFill>
-                  <a:schemeClr val="tx1"/>
-                </a:solidFill>
-                <a:uFillTx/>
-                <a:latin typeface="FreeMono" panose="020F0409020205020404" charset="0"/>
-                <a:ea typeface="Noto Sans Mono CJK SC" panose="020B0500000000000000" charset="-122"/>
-                <a:cs typeface="Noto Sans Mono CJK SC" panose="020B0500000000000000" charset="-122"/>
-              </a:rPr>
-              <a:t>Linux</a:t>
-            </a:r>
-            <a:r>
-              <a:rPr lang="zh-CN" altLang="en-US">
-                <a:solidFill>
-                  <a:schemeClr val="tx1"/>
-                </a:solidFill>
-                <a:uFillTx/>
-                <a:latin typeface="FreeMono" panose="020F0409020205020404" charset="0"/>
-                <a:ea typeface="Noto Sans Mono CJK SC" panose="020B0500000000000000" charset="-122"/>
-                <a:cs typeface="Noto Sans Mono CJK SC" panose="020B0500000000000000" charset="-122"/>
-              </a:rPr>
-              <a:t>作为开发环境。并且大部分公司生产环境的部署都是</a:t>
-            </a:r>
-            <a:r>
-              <a:rPr lang="en-US" altLang="zh-CN">
-                <a:solidFill>
-                  <a:schemeClr val="tx1"/>
-                </a:solidFill>
-                <a:uFillTx/>
-                <a:latin typeface="FreeMono" panose="020F0409020205020404" charset="0"/>
-                <a:ea typeface="Noto Sans Mono CJK SC" panose="020B0500000000000000" charset="-122"/>
-                <a:cs typeface="Noto Sans Mono CJK SC" panose="020B0500000000000000" charset="-122"/>
-              </a:rPr>
-              <a:t>Linux</a:t>
-            </a:r>
-            <a:r>
-              <a:rPr lang="zh-CN" altLang="en-US">
-                <a:solidFill>
-                  <a:schemeClr val="tx1"/>
-                </a:solidFill>
-                <a:uFillTx/>
-                <a:latin typeface="FreeMono" panose="020F0409020205020404" charset="0"/>
-                <a:ea typeface="Noto Sans Mono CJK SC" panose="020B0500000000000000" charset="-122"/>
-                <a:cs typeface="Noto Sans Mono CJK SC" panose="020B0500000000000000" charset="-122"/>
-              </a:rPr>
-              <a:t>（发行版以</a:t>
-            </a:r>
-            <a:r>
-              <a:rPr lang="en-US" altLang="zh-CN">
-                <a:solidFill>
-                  <a:schemeClr val="tx1"/>
-                </a:solidFill>
-                <a:uFillTx/>
-                <a:latin typeface="FreeMono" panose="020F0409020205020404" charset="0"/>
-                <a:ea typeface="Noto Sans Mono CJK SC" panose="020B0500000000000000" charset="-122"/>
-                <a:cs typeface="Noto Sans Mono CJK SC" panose="020B0500000000000000" charset="-122"/>
-              </a:rPr>
-              <a:t>Debian/Ubuntu</a:t>
-            </a:r>
-            <a:r>
-              <a:rPr lang="zh-CN" altLang="en-US">
-                <a:solidFill>
-                  <a:schemeClr val="tx1"/>
-                </a:solidFill>
-                <a:uFillTx/>
-                <a:latin typeface="FreeMono" panose="020F0409020205020404" charset="0"/>
-                <a:ea typeface="Noto Sans Mono CJK SC" panose="020B0500000000000000" charset="-122"/>
-                <a:cs typeface="Noto Sans Mono CJK SC" panose="020B0500000000000000" charset="-122"/>
-              </a:rPr>
-              <a:t>，</a:t>
-            </a:r>
-            <a:r>
-              <a:rPr lang="en-US" altLang="zh-CN">
-                <a:solidFill>
-                  <a:schemeClr val="tx1"/>
-                </a:solidFill>
-                <a:uFillTx/>
-                <a:latin typeface="FreeMono" panose="020F0409020205020404" charset="0"/>
-                <a:ea typeface="Noto Sans Mono CJK SC" panose="020B0500000000000000" charset="-122"/>
-                <a:cs typeface="Noto Sans Mono CJK SC" panose="020B0500000000000000" charset="-122"/>
-              </a:rPr>
-              <a:t>RedHat/CentOS</a:t>
-            </a:r>
-            <a:r>
-              <a:rPr lang="zh-CN" altLang="en-US">
-                <a:solidFill>
-                  <a:schemeClr val="tx1"/>
-                </a:solidFill>
-                <a:uFillTx/>
-                <a:latin typeface="FreeMono" panose="020F0409020205020404" charset="0"/>
-                <a:ea typeface="Noto Sans Mono CJK SC" panose="020B0500000000000000" charset="-122"/>
-                <a:cs typeface="Noto Sans Mono CJK SC" panose="020B0500000000000000" charset="-122"/>
-              </a:rPr>
-              <a:t>居多）。</a:t>
+              <a:t>用于和微信服务器对接的场景，有可能会用到数据库记录用户数据，或者需要做一些业务处理比如订单。</a:t>
             </a:r>
             <a:endParaRPr lang="zh-CN" altLang="en-US">
               <a:solidFill>
@@ -4282,7 +4207,7 @@
                 <a:ea typeface="Noto Sans Mono CJK SC" panose="020B0500000000000000" charset="-122"/>
                 <a:cs typeface="Noto Sans Mono CJK SC" panose="020B0500000000000000" charset="-122"/>
               </a:rPr>
-              <a:t>而微信小程序的集成开发环境只提供了</a:t>
+              <a:t>开发者需要具备使用编程语言操作数据库的能力，本课程使用了</a:t>
             </a:r>
             <a:r>
               <a:rPr lang="en-US" altLang="zh-CN">
@@ -4294,7 +4219,7 @@
                 <a:ea typeface="Noto Sans Mono CJK SC" panose="020B0500000000000000" charset="-122"/>
                 <a:cs typeface="Noto Sans Mono CJK SC" panose="020B0500000000000000" charset="-122"/>
               </a:rPr>
-              <a:t>Windows</a:t>
+              <a:t>MariaDB</a:t>
             </a:r>
             <a:r>
               <a:rPr lang="zh-CN" altLang="en-US">
@@ -4306,7 +4231,7 @@
                 <a:ea typeface="Noto Sans Mono CJK SC" panose="020B0500000000000000" charset="-122"/>
                 <a:cs typeface="Noto Sans Mono CJK SC" panose="020B0500000000000000" charset="-122"/>
               </a:rPr>
-              <a:t>和</a:t>
+              <a:t>数据库软件：这个软件是</a:t>
             </a:r>
             <a:r>
               <a:rPr lang="en-US" altLang="zh-CN">
@@ -4318,7 +4243,7 @@
                 <a:ea typeface="Noto Sans Mono CJK SC" panose="020B0500000000000000" charset="-122"/>
                 <a:cs typeface="Noto Sans Mono CJK SC" panose="020B0500000000000000" charset="-122"/>
               </a:rPr>
-              <a:t>MacOS</a:t>
+              <a:t>MySQL</a:t>
             </a:r>
             <a:r>
               <a:rPr lang="zh-CN" altLang="en-US">
@@ -4330,7 +4255,55 @@
                 <a:ea typeface="Noto Sans Mono CJK SC" panose="020B0500000000000000" charset="-122"/>
                 <a:cs typeface="Noto Sans Mono CJK SC" panose="020B0500000000000000" charset="-122"/>
               </a:rPr>
-              <a:t>版本，所以对不同的场景选择合适的工具。</a:t>
+              <a:t>创始人创建的一个</a:t>
+            </a:r>
+            <a:r>
+              <a:rPr lang="en-US" altLang="zh-CN">
+                <a:solidFill>
+                  <a:schemeClr val="tx1"/>
+                </a:solidFill>
+                <a:uFillTx/>
+                <a:latin typeface="FreeMono" panose="020F0409020205020404" charset="0"/>
+                <a:ea typeface="Noto Sans Mono CJK SC" panose="020B0500000000000000" charset="-122"/>
+                <a:cs typeface="Noto Sans Mono CJK SC" panose="020B0500000000000000" charset="-122"/>
+              </a:rPr>
+              <a:t>MySQL</a:t>
+            </a:r>
+            <a:r>
+              <a:rPr lang="zh-CN" altLang="en-US">
+                <a:solidFill>
+                  <a:schemeClr val="tx1"/>
+                </a:solidFill>
+                <a:uFillTx/>
+                <a:latin typeface="FreeMono" panose="020F0409020205020404" charset="0"/>
+                <a:ea typeface="Noto Sans Mono CJK SC" panose="020B0500000000000000" charset="-122"/>
+                <a:cs typeface="Noto Sans Mono CJK SC" panose="020B0500000000000000" charset="-122"/>
+              </a:rPr>
+              <a:t>分支，现在已经独立开发，是绝对开源的，使用方式和</a:t>
+            </a:r>
+            <a:r>
+              <a:rPr lang="en-US" altLang="zh-CN">
+                <a:solidFill>
+                  <a:schemeClr val="tx1"/>
+                </a:solidFill>
+                <a:uFillTx/>
+                <a:latin typeface="FreeMono" panose="020F0409020205020404" charset="0"/>
+                <a:ea typeface="Noto Sans Mono CJK SC" panose="020B0500000000000000" charset="-122"/>
+                <a:cs typeface="Noto Sans Mono CJK SC" panose="020B0500000000000000" charset="-122"/>
+              </a:rPr>
+              <a:t>MySQL</a:t>
+            </a:r>
+            <a:r>
+              <a:rPr lang="zh-CN" altLang="en-US">
+                <a:solidFill>
+                  <a:schemeClr val="tx1"/>
+                </a:solidFill>
+                <a:uFillTx/>
+                <a:latin typeface="FreeMono" panose="020F0409020205020404" charset="0"/>
+                <a:ea typeface="Noto Sans Mono CJK SC" panose="020B0500000000000000" charset="-122"/>
+                <a:cs typeface="Noto Sans Mono CJK SC" panose="020B0500000000000000" charset="-122"/>
+              </a:rPr>
+              <a:t>相同。</a:t>
             </a:r>
             <a:endParaRPr lang="zh-CN" altLang="en-US">
               <a:solidFill>
@@ -4379,13 +4352,11 @@
           </a:xfrm>
         </p:spPr>
         <p:txBody>
-          <a:bodyPr>
-            <a:normAutofit/>
-          </a:bodyPr>
+          <a:bodyPr/>
           <a:p>
             <a:r>
               <a:rPr lang="zh-CN" altLang="en-US" sz="3600"/>
-              <a:t>数据库</a:t>
+              <a:t>搭建云服务器环境</a:t>
             </a:r>
             <a:endParaRPr lang="zh-CN" altLang="en-US" sz="3600"/>
           </a:p>
@@ -4428,7 +4399,7 @@
                 <a:ea typeface="Noto Sans Mono CJK SC" panose="020B0500000000000000" charset="-122"/>
                 <a:cs typeface="Noto Sans Mono CJK SC" panose="020B0500000000000000" charset="-122"/>
               </a:rPr>
-              <a:t>用于和微信服务器对接的场景，有可能会用到数据库记录用户数据，或者需要做一些业务处理比如订单。</a:t>
+              <a:t>国内的云服务器提供商很多，比较好的是阿里云和腾讯云。</a:t>
             </a:r>
             <a:endParaRPr lang="zh-CN" altLang="en-US">
               <a:solidFill>
@@ -4457,7 +4428,7 @@
                 <a:ea typeface="Noto Sans Mono CJK SC" panose="020B0500000000000000" charset="-122"/>
                 <a:cs typeface="Noto Sans Mono CJK SC" panose="020B0500000000000000" charset="-122"/>
               </a:rPr>
-              <a:t>开发者需要具备使用编程语言操作数据库的能力，本课程使用了</a:t>
+              <a:t>搭建云服务器环境需要的条件：域名</a:t>
             </a:r>
             <a:r>
               <a:rPr lang="en-US" altLang="zh-CN">
@@ -4469,7 +4440,7 @@
                 <a:ea typeface="Noto Sans Mono CJK SC" panose="020B0500000000000000" charset="-122"/>
                 <a:cs typeface="Noto Sans Mono CJK SC" panose="020B0500000000000000" charset="-122"/>
               </a:rPr>
-              <a:t>MariaDB</a:t>
+              <a:t>+</a:t>
             </a:r>
             <a:r>
               <a:rPr lang="zh-CN" altLang="en-US">
@@ -4481,7 +4452,36 @@
                 <a:ea typeface="Noto Sans Mono CJK SC" panose="020B0500000000000000" charset="-122"/>
                 <a:cs typeface="Noto Sans Mono CJK SC" panose="020B0500000000000000" charset="-122"/>
               </a:rPr>
-              <a:t>数据库软件：这个软件是</a:t>
+              <a:t>云服务器。</a:t>
+            </a:r>
+            <a:endParaRPr lang="zh-CN" altLang="en-US">
+              <a:solidFill>
+                <a:schemeClr val="tx1"/>
+              </a:solidFill>
+              <a:uFillTx/>
+              <a:latin typeface="FreeMono" panose="020F0409020205020404" charset="0"/>
+              <a:ea typeface="Noto Sans Mono CJK SC" panose="020B0500000000000000" charset="-122"/>
+              <a:cs typeface="Noto Sans Mono CJK SC" panose="020B0500000000000000" charset="-122"/>
+            </a:endParaRPr>
+          </a:p>
+          <a:p>
+            <a:pPr marL="0" indent="0" fontAlgn="auto">
+              <a:lnSpc>
+                <a:spcPct val="150000"/>
+              </a:lnSpc>
+              <a:buNone/>
+            </a:pPr>
+            <a:r>
+              <a:rPr lang="zh-CN" altLang="en-US">
+                <a:solidFill>
+                  <a:schemeClr val="tx1"/>
+                </a:solidFill>
+                <a:uFillTx/>
+                <a:latin typeface="FreeMono" panose="020F0409020205020404" charset="0"/>
+                <a:ea typeface="Noto Sans Mono CJK SC" panose="020B0500000000000000" charset="-122"/>
+                <a:cs typeface="Noto Sans Mono CJK SC" panose="020B0500000000000000" charset="-122"/>
+              </a:rPr>
+              <a:t>把域名解析到云服务器的</a:t>
             </a:r>
             <a:r>
               <a:rPr lang="en-US" altLang="zh-CN">
@@ -4493,7 +4493,7 @@
                 <a:ea typeface="Noto Sans Mono CJK SC" panose="020B0500000000000000" charset="-122"/>
                 <a:cs typeface="Noto Sans Mono CJK SC" panose="020B0500000000000000" charset="-122"/>
               </a:rPr>
-              <a:t>MySQL</a:t>
+              <a:t>IP</a:t>
             </a:r>
             <a:r>
               <a:rPr lang="zh-CN" altLang="en-US">
@@ -4505,7 +4505,7 @@
                 <a:ea typeface="Noto Sans Mono CJK SC" panose="020B0500000000000000" charset="-122"/>
                 <a:cs typeface="Noto Sans Mono CJK SC" panose="020B0500000000000000" charset="-122"/>
               </a:rPr>
-              <a:t>创始人创建的一个</a:t>
+              <a:t>地址，防火墙配置要开启</a:t>
             </a:r>
             <a:r>
               <a:rPr lang="en-US" altLang="zh-CN">
@@ -4517,7 +4517,7 @@
                 <a:ea typeface="Noto Sans Mono CJK SC" panose="020B0500000000000000" charset="-122"/>
                 <a:cs typeface="Noto Sans Mono CJK SC" panose="020B0500000000000000" charset="-122"/>
               </a:rPr>
-              <a:t>MySQL</a:t>
+              <a:t>80</a:t>
             </a:r>
             <a:r>
               <a:rPr lang="zh-CN" altLang="en-US">
@@ -4529,7 +4529,7 @@
                 <a:ea typeface="Noto Sans Mono CJK SC" panose="020B0500000000000000" charset="-122"/>
                 <a:cs typeface="Noto Sans Mono CJK SC" panose="020B0500000000000000" charset="-122"/>
               </a:rPr>
-              <a:t>分支，现在已经独立开发，是绝对开源的，使用方式和</a:t>
+              <a:t>和</a:t>
             </a:r>
             <a:r>
               <a:rPr lang="en-US" altLang="zh-CN">
@@ -4541,7 +4541,7 @@
                 <a:ea typeface="Noto Sans Mono CJK SC" panose="020B0500000000000000" charset="-122"/>
                 <a:cs typeface="Noto Sans Mono CJK SC" panose="020B0500000000000000" charset="-122"/>
               </a:rPr>
-              <a:t>MySQL</a:t>
+              <a:t>443</a:t>
             </a:r>
             <a:r>
               <a:rPr lang="zh-CN" altLang="en-US">
@@ -4553,7 +4553,7 @@
                 <a:ea typeface="Noto Sans Mono CJK SC" panose="020B0500000000000000" charset="-122"/>
                 <a:cs typeface="Noto Sans Mono CJK SC" panose="020B0500000000000000" charset="-122"/>
               </a:rPr>
-              <a:t>相同。</a:t>
+              <a:t>端口。这些操作都在云厂商的控制台页面操作。</a:t>
             </a:r>
             <a:endParaRPr lang="zh-CN" altLang="en-US">
               <a:solidFill>

--- a/ch01/技术清单.pptx
+++ b/ch01/技术清单.pptx
@@ -3955,55 +3955,7 @@
                 <a:ea typeface="Noto Sans Mono CJK SC" panose="020B0500000000000000" charset="-122"/>
                 <a:cs typeface="Noto Sans Mono CJK SC" panose="020B0500000000000000" charset="-122"/>
               </a:rPr>
-              <a:t>（发行版以</a:t>
-            </a:r>
-            <a:r>
-              <a:rPr lang="en-US" altLang="zh-CN">
-                <a:solidFill>
-                  <a:schemeClr val="tx1"/>
-                </a:solidFill>
-                <a:uFillTx/>
-                <a:latin typeface="FreeMono" panose="020F0409020205020404" charset="0"/>
-                <a:ea typeface="Noto Sans Mono CJK SC" panose="020B0500000000000000" charset="-122"/>
-                <a:cs typeface="Noto Sans Mono CJK SC" panose="020B0500000000000000" charset="-122"/>
-              </a:rPr>
-              <a:t>Debian/Ubuntu</a:t>
-            </a:r>
-            <a:r>
-              <a:rPr lang="zh-CN" altLang="en-US">
-                <a:solidFill>
-                  <a:schemeClr val="tx1"/>
-                </a:solidFill>
-                <a:uFillTx/>
-                <a:latin typeface="FreeMono" panose="020F0409020205020404" charset="0"/>
-                <a:ea typeface="Noto Sans Mono CJK SC" panose="020B0500000000000000" charset="-122"/>
-                <a:cs typeface="Noto Sans Mono CJK SC" panose="020B0500000000000000" charset="-122"/>
-              </a:rPr>
-              <a:t>，</a:t>
-            </a:r>
-            <a:r>
-              <a:rPr lang="en-US" altLang="zh-CN">
-                <a:solidFill>
-                  <a:schemeClr val="tx1"/>
-                </a:solidFill>
-                <a:uFillTx/>
-                <a:latin typeface="FreeMono" panose="020F0409020205020404" charset="0"/>
-                <a:ea typeface="Noto Sans Mono CJK SC" panose="020B0500000000000000" charset="-122"/>
-                <a:cs typeface="Noto Sans Mono CJK SC" panose="020B0500000000000000" charset="-122"/>
-              </a:rPr>
-              <a:t>RedHat/CentOS</a:t>
-            </a:r>
-            <a:r>
-              <a:rPr lang="zh-CN" altLang="en-US">
-                <a:solidFill>
-                  <a:schemeClr val="tx1"/>
-                </a:solidFill>
-                <a:uFillTx/>
-                <a:latin typeface="FreeMono" panose="020F0409020205020404" charset="0"/>
-                <a:ea typeface="Noto Sans Mono CJK SC" panose="020B0500000000000000" charset="-122"/>
-                <a:cs typeface="Noto Sans Mono CJK SC" panose="020B0500000000000000" charset="-122"/>
-              </a:rPr>
-              <a:t>居多）。</a:t>
+              <a:t>。</a:t>
             </a:r>
             <a:endParaRPr lang="zh-CN" altLang="en-US">
               <a:solidFill>
@@ -4032,7 +3984,7 @@
                 <a:ea typeface="Noto Sans Mono CJK SC" panose="020B0500000000000000" charset="-122"/>
                 <a:cs typeface="Noto Sans Mono CJK SC" panose="020B0500000000000000" charset="-122"/>
               </a:rPr>
-              <a:t>而微信小程序的集成开发环境只提供了</a:t>
+              <a:t>微信小程序的集成开发环境只提供了</a:t>
             </a:r>
             <a:r>
               <a:rPr lang="en-US" altLang="zh-CN">
@@ -4080,7 +4032,60 @@
                 <a:ea typeface="Noto Sans Mono CJK SC" panose="020B0500000000000000" charset="-122"/>
                 <a:cs typeface="Noto Sans Mono CJK SC" panose="020B0500000000000000" charset="-122"/>
               </a:rPr>
-              <a:t>版本，所以对不同的场景选择合适的工具。</a:t>
+              <a:t>版本，主要用于小程序的开发，测试等，小程序对接的后台服务仍然运行在</a:t>
+            </a:r>
+            <a:r>
+              <a:rPr lang="en-US" altLang="zh-CN">
+                <a:solidFill>
+                  <a:schemeClr val="tx1"/>
+                </a:solidFill>
+                <a:uFillTx/>
+                <a:latin typeface="FreeMono" panose="020F0409020205020404" charset="0"/>
+                <a:ea typeface="Noto Sans Mono CJK SC" panose="020B0500000000000000" charset="-122"/>
+                <a:cs typeface="Noto Sans Mono CJK SC" panose="020B0500000000000000" charset="-122"/>
+              </a:rPr>
+              <a:t>Linux</a:t>
+            </a:r>
+            <a:r>
+              <a:rPr lang="zh-CN" altLang="en-US">
+                <a:solidFill>
+                  <a:schemeClr val="tx1"/>
+                </a:solidFill>
+                <a:uFillTx/>
+                <a:latin typeface="FreeMono" panose="020F0409020205020404" charset="0"/>
+                <a:ea typeface="Noto Sans Mono CJK SC" panose="020B0500000000000000" charset="-122"/>
+                <a:cs typeface="Noto Sans Mono CJK SC" panose="020B0500000000000000" charset="-122"/>
+              </a:rPr>
+              <a:t>上。</a:t>
+            </a:r>
+            <a:endParaRPr lang="zh-CN" altLang="en-US">
+              <a:solidFill>
+                <a:schemeClr val="tx1"/>
+              </a:solidFill>
+              <a:uFillTx/>
+              <a:latin typeface="FreeMono" panose="020F0409020205020404" charset="0"/>
+              <a:ea typeface="Noto Sans Mono CJK SC" panose="020B0500000000000000" charset="-122"/>
+              <a:cs typeface="Noto Sans Mono CJK SC" panose="020B0500000000000000" charset="-122"/>
+            </a:endParaRPr>
+          </a:p>
+          <a:p>
+            <a:pPr marL="0" indent="0" fontAlgn="auto">
+              <a:lnSpc>
+                <a:spcPct val="150000"/>
+              </a:lnSpc>
+              <a:buNone/>
+            </a:pPr>
+            <a:r>
+              <a:rPr lang="zh-CN" altLang="en-US">
+                <a:solidFill>
+                  <a:schemeClr val="tx1"/>
+                </a:solidFill>
+                <a:uFillTx/>
+                <a:latin typeface="FreeMono" panose="020F0409020205020404" charset="0"/>
+                <a:ea typeface="Noto Sans Mono CJK SC" panose="020B0500000000000000" charset="-122"/>
+                <a:cs typeface="Noto Sans Mono CJK SC" panose="020B0500000000000000" charset="-122"/>
+              </a:rPr>
+              <a:t>所以对不同的场景选择合适的工具。</a:t>
             </a:r>
             <a:endParaRPr lang="zh-CN" altLang="en-US">
               <a:solidFill>

--- a/ch01/技术清单.pptx
+++ b/ch01/技术清单.pptx
@@ -3081,17 +3081,16 @@
         </p:spPr>
         <p:txBody>
           <a:bodyPr>
-            <a:normAutofit lnSpcReduction="20000"/>
+            <a:normAutofit/>
           </a:bodyPr>
           <a:p>
-            <a:pPr marL="0" indent="0" fontAlgn="auto">
+            <a:pPr fontAlgn="auto">
               <a:lnSpc>
                 <a:spcPct val="150000"/>
               </a:lnSpc>
-              <a:buNone/>
             </a:pPr>
             <a:r>
-              <a:rPr lang="zh-CN" altLang="en-US">
+              <a:rPr lang="zh-CN" altLang="en-US" sz="2400">
                 <a:solidFill>
                   <a:schemeClr val="tx1"/>
                 </a:solidFill>
@@ -3102,7 +3101,7 @@
               </a:rPr>
               <a:t>本课程使用了NodeJS开发环境，这是针对当前的专业方向设定的。但是在实际的产品研发过程中，会遇到很多其他编程语言开发的项目。而微信公众号与小程序后端开发依赖于协议通信，是和编程语言无关的。</a:t>
             </a:r>
-            <a:endParaRPr lang="zh-CN" altLang="en-US">
+            <a:endParaRPr lang="zh-CN" altLang="en-US" sz="2400">
               <a:solidFill>
                 <a:schemeClr val="tx1"/>
               </a:solidFill>
@@ -3113,14 +3112,29 @@
             </a:endParaRPr>
           </a:p>
           <a:p>
-            <a:pPr marL="0" indent="0" fontAlgn="auto">
+            <a:pPr fontAlgn="auto">
               <a:lnSpc>
                 <a:spcPct val="150000"/>
               </a:lnSpc>
-              <a:buNone/>
             </a:pPr>
-            <a:r>
-              <a:rPr lang="en-US" altLang="zh-CN">
+            <a:endParaRPr lang="zh-CN" altLang="en-US" sz="2400">
+              <a:solidFill>
+                <a:schemeClr val="tx1"/>
+              </a:solidFill>
+              <a:uFillTx/>
+              <a:latin typeface="FreeMono" panose="020F0409020205020404" charset="0"/>
+              <a:ea typeface="Noto Sans Mono CJK SC" panose="020B0500000000000000" charset="-122"/>
+              <a:cs typeface="Noto Sans Mono CJK SC" panose="020B0500000000000000" charset="-122"/>
+            </a:endParaRPr>
+          </a:p>
+          <a:p>
+            <a:pPr fontAlgn="auto">
+              <a:lnSpc>
+                <a:spcPct val="150000"/>
+              </a:lnSpc>
+            </a:pPr>
+            <a:r>
+              <a:rPr lang="en-US" altLang="zh-CN" sz="2400">
                 <a:solidFill>
                   <a:schemeClr val="tx1"/>
                 </a:solidFill>
@@ -3132,7 +3146,7 @@
               <a:t>NodeJS</a:t>
             </a:r>
             <a:r>
-              <a:rPr lang="zh-CN" altLang="en-US">
+              <a:rPr lang="zh-CN" altLang="en-US" sz="2400">
                 <a:solidFill>
                   <a:schemeClr val="tx1"/>
                 </a:solidFill>
@@ -3144,7 +3158,7 @@
               <a:t>和其他脚本语言不同的是，自带服务。</a:t>
             </a:r>
             <a:r>
-              <a:rPr lang="en-US" altLang="zh-CN">
+              <a:rPr lang="en-US" altLang="zh-CN" sz="2400">
                 <a:solidFill>
                   <a:schemeClr val="tx1"/>
                 </a:solidFill>
@@ -3156,7 +3170,7 @@
               <a:t>NodeJS</a:t>
             </a:r>
             <a:r>
-              <a:rPr lang="zh-CN" altLang="en-US">
+              <a:rPr lang="zh-CN" altLang="en-US" sz="2400">
                 <a:solidFill>
                   <a:schemeClr val="tx1"/>
                 </a:solidFill>
@@ -3168,7 +3182,7 @@
               <a:t>可以开启高性能的</a:t>
             </a:r>
             <a:r>
-              <a:rPr lang="en-US" altLang="zh-CN">
+              <a:rPr lang="en-US" altLang="zh-CN" sz="2400">
                 <a:solidFill>
                   <a:schemeClr val="tx1"/>
                 </a:solidFill>
@@ -3180,7 +3194,7 @@
               <a:t>HTTP/HTTPS</a:t>
             </a:r>
             <a:r>
-              <a:rPr lang="zh-CN" altLang="en-US">
+              <a:rPr lang="zh-CN" altLang="en-US" sz="2400">
                 <a:solidFill>
                   <a:schemeClr val="tx1"/>
                 </a:solidFill>
@@ -3192,7 +3206,7 @@
               <a:t>服务，如果在服务器上还存在</a:t>
             </a:r>
             <a:r>
-              <a:rPr lang="en-US" altLang="zh-CN">
+              <a:rPr lang="en-US" altLang="zh-CN" sz="2400">
                 <a:solidFill>
                   <a:schemeClr val="tx1"/>
                 </a:solidFill>
@@ -3204,7 +3218,7 @@
               <a:t>Nginx</a:t>
             </a:r>
             <a:r>
-              <a:rPr lang="zh-CN" altLang="en-US">
+              <a:rPr lang="zh-CN" altLang="en-US" sz="2400">
                 <a:solidFill>
                   <a:schemeClr val="tx1"/>
                 </a:solidFill>
@@ -3216,7 +3230,7 @@
               <a:t>等专业的</a:t>
             </a:r>
             <a:r>
-              <a:rPr lang="en-US" altLang="zh-CN">
+              <a:rPr lang="en-US" altLang="zh-CN" sz="2400">
                 <a:solidFill>
                   <a:schemeClr val="tx1"/>
                 </a:solidFill>
@@ -3228,7 +3242,7 @@
               <a:t>Web</a:t>
             </a:r>
             <a:r>
-              <a:rPr lang="zh-CN" altLang="en-US">
+              <a:rPr lang="zh-CN" altLang="en-US" sz="2400">
                 <a:solidFill>
                   <a:schemeClr val="tx1"/>
                 </a:solidFill>
@@ -3239,7 +3253,7 @@
               </a:rPr>
               <a:t>服务器软件，可以开启反向代理，我们的课程就采用了这样的方式。</a:t>
             </a:r>
-            <a:endParaRPr lang="zh-CN" altLang="en-US">
+            <a:endParaRPr lang="zh-CN" altLang="en-US" sz="2400">
               <a:solidFill>
                 <a:schemeClr val="tx1"/>
               </a:solidFill>
@@ -3313,16 +3327,17 @@
           </a:xfrm>
         </p:spPr>
         <p:txBody>
-          <a:bodyPr/>
-          <a:p>
-            <a:pPr marL="0" indent="0" fontAlgn="auto">
+          <a:bodyPr>
+            <a:normAutofit/>
+          </a:bodyPr>
+          <a:p>
+            <a:pPr fontAlgn="auto">
               <a:lnSpc>
                 <a:spcPct val="150000"/>
               </a:lnSpc>
-              <a:buNone/>
             </a:pPr>
             <a:r>
-              <a:rPr lang="zh-CN" altLang="en-US">
+              <a:rPr lang="zh-CN" altLang="en-US" sz="2400">
                 <a:solidFill>
                   <a:schemeClr val="tx1"/>
                 </a:solidFill>
@@ -3334,7 +3349,7 @@
               <a:t>了解</a:t>
             </a:r>
             <a:r>
-              <a:rPr lang="en-US" altLang="zh-CN">
+              <a:rPr lang="en-US" altLang="zh-CN" sz="2400">
                 <a:solidFill>
                   <a:schemeClr val="tx1"/>
                 </a:solidFill>
@@ -3346,18 +3361,106 @@
               <a:t>HTTP</a:t>
             </a:r>
             <a:r>
-              <a:rPr lang="zh-CN" altLang="en-US">
-                <a:solidFill>
-                  <a:schemeClr val="tx1"/>
-                </a:solidFill>
-                <a:uFillTx/>
-                <a:latin typeface="FreeMono" panose="020F0409020205020404" charset="0"/>
-                <a:ea typeface="Noto Sans Mono CJK SC" panose="020B0500000000000000" charset="-122"/>
-                <a:cs typeface="Noto Sans Mono CJK SC" panose="020B0500000000000000" charset="-122"/>
-              </a:rPr>
-              <a:t>协议是非常重要的，不仅仅是微信和小程序，这是Web领域的基石。微信公众号接口使用了HTTPS协议，微信公众号的开发者服务器配置并不要求必须是HTTPS，但是小程序对接的后台服务器是强制要求开发者启用HTTPS的。</a:t>
-            </a:r>
-            <a:endParaRPr lang="zh-CN" altLang="en-US">
+              <a:rPr lang="zh-CN" altLang="en-US" sz="2400">
+                <a:solidFill>
+                  <a:schemeClr val="tx1"/>
+                </a:solidFill>
+                <a:uFillTx/>
+                <a:latin typeface="FreeMono" panose="020F0409020205020404" charset="0"/>
+                <a:ea typeface="Noto Sans Mono CJK SC" panose="020B0500000000000000" charset="-122"/>
+                <a:cs typeface="Noto Sans Mono CJK SC" panose="020B0500000000000000" charset="-122"/>
+              </a:rPr>
+              <a:t>协议是非常重要的，不仅仅是微信和小程序，这是Web领域的基石。</a:t>
+            </a:r>
+            <a:endParaRPr lang="zh-CN" altLang="en-US" sz="2400">
+              <a:solidFill>
+                <a:schemeClr val="tx1"/>
+              </a:solidFill>
+              <a:uFillTx/>
+              <a:latin typeface="FreeMono" panose="020F0409020205020404" charset="0"/>
+              <a:ea typeface="Noto Sans Mono CJK SC" panose="020B0500000000000000" charset="-122"/>
+              <a:cs typeface="Noto Sans Mono CJK SC" panose="020B0500000000000000" charset="-122"/>
+            </a:endParaRPr>
+          </a:p>
+          <a:p>
+            <a:pPr fontAlgn="auto">
+              <a:lnSpc>
+                <a:spcPct val="150000"/>
+              </a:lnSpc>
+            </a:pPr>
+            <a:endParaRPr lang="zh-CN" altLang="en-US" sz="2400">
+              <a:solidFill>
+                <a:schemeClr val="tx1"/>
+              </a:solidFill>
+              <a:uFillTx/>
+              <a:latin typeface="FreeMono" panose="020F0409020205020404" charset="0"/>
+              <a:ea typeface="Noto Sans Mono CJK SC" panose="020B0500000000000000" charset="-122"/>
+              <a:cs typeface="Noto Sans Mono CJK SC" panose="020B0500000000000000" charset="-122"/>
+            </a:endParaRPr>
+          </a:p>
+          <a:p>
+            <a:pPr fontAlgn="auto">
+              <a:lnSpc>
+                <a:spcPct val="150000"/>
+              </a:lnSpc>
+            </a:pPr>
+            <a:r>
+              <a:rPr lang="zh-CN" altLang="en-US" sz="2400">
+                <a:solidFill>
+                  <a:schemeClr val="tx1"/>
+                </a:solidFill>
+                <a:uFillTx/>
+                <a:latin typeface="FreeMono" panose="020F0409020205020404" charset="0"/>
+                <a:ea typeface="Noto Sans Mono CJK SC" panose="020B0500000000000000" charset="-122"/>
+                <a:cs typeface="Noto Sans Mono CJK SC" panose="020B0500000000000000" charset="-122"/>
+              </a:rPr>
+              <a:t>微信公众号接口使用了HTTPS协议，微信公众号的开发者服务器配置并不要求必须是HTTPS。</a:t>
+            </a:r>
+            <a:endParaRPr lang="zh-CN" altLang="en-US" sz="2400">
+              <a:solidFill>
+                <a:schemeClr val="tx1"/>
+              </a:solidFill>
+              <a:uFillTx/>
+              <a:latin typeface="FreeMono" panose="020F0409020205020404" charset="0"/>
+              <a:ea typeface="Noto Sans Mono CJK SC" panose="020B0500000000000000" charset="-122"/>
+              <a:cs typeface="Noto Sans Mono CJK SC" panose="020B0500000000000000" charset="-122"/>
+            </a:endParaRPr>
+          </a:p>
+          <a:p>
+            <a:pPr fontAlgn="auto">
+              <a:lnSpc>
+                <a:spcPct val="150000"/>
+              </a:lnSpc>
+            </a:pPr>
+            <a:endParaRPr lang="en-US" altLang="zh-CN" sz="2400">
+              <a:solidFill>
+                <a:schemeClr val="tx1"/>
+              </a:solidFill>
+              <a:uFillTx/>
+              <a:latin typeface="FreeMono" panose="020F0409020205020404" charset="0"/>
+              <a:ea typeface="Noto Sans Mono CJK SC" panose="020B0500000000000000" charset="-122"/>
+              <a:cs typeface="Noto Sans Mono CJK SC" panose="020B0500000000000000" charset="-122"/>
+            </a:endParaRPr>
+          </a:p>
+          <a:p>
+            <a:pPr fontAlgn="auto">
+              <a:lnSpc>
+                <a:spcPct val="150000"/>
+              </a:lnSpc>
+            </a:pPr>
+            <a:r>
+              <a:rPr lang="zh-CN" altLang="en-US" sz="2400">
+                <a:solidFill>
+                  <a:schemeClr val="tx1"/>
+                </a:solidFill>
+                <a:uFillTx/>
+                <a:latin typeface="FreeMono" panose="020F0409020205020404" charset="0"/>
+                <a:ea typeface="Noto Sans Mono CJK SC" panose="020B0500000000000000" charset="-122"/>
+                <a:cs typeface="Noto Sans Mono CJK SC" panose="020B0500000000000000" charset="-122"/>
+              </a:rPr>
+              <a:t>但是小程序对接的后台服务器是强制要求开发者启用HTTPS的。</a:t>
+            </a:r>
+            <a:endParaRPr lang="zh-CN" altLang="en-US" sz="2400">
               <a:solidFill>
                 <a:schemeClr val="tx1"/>
               </a:solidFill>
@@ -3436,17 +3539,16 @@
         </p:spPr>
         <p:txBody>
           <a:bodyPr>
-            <a:normAutofit fontScale="90000"/>
+            <a:normAutofit lnSpcReduction="10000"/>
           </a:bodyPr>
           <a:p>
-            <a:pPr marL="0" indent="0" fontAlgn="auto">
+            <a:pPr fontAlgn="auto">
               <a:lnSpc>
                 <a:spcPct val="150000"/>
               </a:lnSpc>
-              <a:buNone/>
             </a:pPr>
             <a:r>
-              <a:rPr lang="zh-CN" altLang="en-US">
+              <a:rPr lang="zh-CN" altLang="en-US" sz="2400">
                 <a:solidFill>
                   <a:schemeClr val="tx1"/>
                 </a:solidFill>
@@ -3457,7 +3559,7 @@
               </a:rPr>
               <a:t>微信平台通过公众号以及小程序已经解决了很多开发客户端（前端）成本高的问题，但是公众号很多业务仍然需要开发一些页面，通过公众号的菜单进行导航，小程序可以用于一些轻量级服务，不用花费比较高的成本去开发APP。</a:t>
             </a:r>
-            <a:endParaRPr lang="zh-CN" altLang="en-US">
+            <a:endParaRPr lang="zh-CN" altLang="en-US" sz="2400">
               <a:solidFill>
                 <a:schemeClr val="tx1"/>
               </a:solidFill>
@@ -3468,47 +3570,40 @@
             </a:endParaRPr>
           </a:p>
           <a:p>
-            <a:pPr marL="0" indent="0" fontAlgn="auto">
+            <a:pPr fontAlgn="auto">
               <a:lnSpc>
                 <a:spcPct val="150000"/>
               </a:lnSpc>
-              <a:buNone/>
             </a:pPr>
-            <a:r>
-              <a:rPr lang="zh-CN" altLang="en-US">
-                <a:solidFill>
-                  <a:schemeClr val="tx1"/>
-                </a:solidFill>
-                <a:uFillTx/>
-                <a:latin typeface="FreeMono" panose="020F0409020205020404" charset="0"/>
-                <a:ea typeface="Noto Sans Mono CJK SC" panose="020B0500000000000000" charset="-122"/>
-                <a:cs typeface="Noto Sans Mono CJK SC" panose="020B0500000000000000" charset="-122"/>
-              </a:rPr>
-              <a:t>开发者要能够理解前后端通信的方式，尽管复杂的项目都是一个团队配合开发，但是很多情况，都是一个人</a:t>
-            </a:r>
-            <a:r>
-              <a:rPr lang="zh-CN" altLang="en-US">
-                <a:uFillTx/>
-                <a:latin typeface="FreeMono" panose="020F0409020205020404" charset="0"/>
-                <a:ea typeface="Noto Sans Mono CJK SC" panose="020B0500000000000000" charset="-122"/>
-                <a:cs typeface="Noto Sans Mono CJK SC" panose="020B0500000000000000" charset="-122"/>
-                <a:sym typeface="+mn-ea"/>
-              </a:rPr>
-              <a:t>负责</a:t>
-            </a:r>
-            <a:r>
-              <a:rPr lang="zh-CN" altLang="en-US">
-                <a:solidFill>
-                  <a:schemeClr val="tx1"/>
-                </a:solidFill>
-                <a:uFillTx/>
-                <a:latin typeface="FreeMono" panose="020F0409020205020404" charset="0"/>
-                <a:ea typeface="Noto Sans Mono CJK SC" panose="020B0500000000000000" charset="-122"/>
-                <a:cs typeface="Noto Sans Mono CJK SC" panose="020B0500000000000000" charset="-122"/>
-              </a:rPr>
-              <a:t>前后端。而微信作为一个巨大的平台，综合使用了大量的开发技术，如果仅仅是前端或仅仅知道后端是很难进行开发的。</a:t>
-            </a:r>
-            <a:endParaRPr lang="zh-CN" altLang="en-US">
+            <a:endParaRPr lang="zh-CN" altLang="en-US" sz="2400">
+              <a:solidFill>
+                <a:schemeClr val="tx1"/>
+              </a:solidFill>
+              <a:uFillTx/>
+              <a:latin typeface="FreeMono" panose="020F0409020205020404" charset="0"/>
+              <a:ea typeface="Noto Sans Mono CJK SC" panose="020B0500000000000000" charset="-122"/>
+              <a:cs typeface="Noto Sans Mono CJK SC" panose="020B0500000000000000" charset="-122"/>
+            </a:endParaRPr>
+          </a:p>
+          <a:p>
+            <a:pPr fontAlgn="auto">
+              <a:lnSpc>
+                <a:spcPct val="150000"/>
+              </a:lnSpc>
+            </a:pPr>
+            <a:r>
+              <a:rPr lang="zh-CN" altLang="en-US" sz="2400">
+                <a:solidFill>
+                  <a:schemeClr val="tx1"/>
+                </a:solidFill>
+                <a:uFillTx/>
+                <a:latin typeface="FreeMono" panose="020F0409020205020404" charset="0"/>
+                <a:ea typeface="Noto Sans Mono CJK SC" panose="020B0500000000000000" charset="-122"/>
+                <a:cs typeface="Noto Sans Mono CJK SC" panose="020B0500000000000000" charset="-122"/>
+              </a:rPr>
+              <a:t>开发者要能够理解前后端通信的方式，而微信作为一个巨大的平台，综合使用了大量的开发技术，如果仅仅是前端或仅仅知道后端是很难进行开发的。</a:t>
+            </a:r>
+            <a:endParaRPr lang="zh-CN" altLang="en-US" sz="2400">
               <a:solidFill>
                 <a:schemeClr val="tx1"/>
               </a:solidFill>
@@ -3583,28 +3678,27 @@
         </p:spPr>
         <p:txBody>
           <a:bodyPr>
-            <a:normAutofit lnSpcReduction="20000"/>
+            <a:normAutofit/>
           </a:bodyPr>
           <a:p>
-            <a:pPr marL="0" indent="0" fontAlgn="auto">
+            <a:pPr fontAlgn="auto">
               <a:lnSpc>
                 <a:spcPct val="150000"/>
               </a:lnSpc>
-              <a:buNone/>
             </a:pPr>
             <a:r>
-              <a:rPr lang="zh-CN" altLang="en-US">
-                <a:solidFill>
-                  <a:schemeClr val="tx1"/>
-                </a:solidFill>
-                <a:uFillTx/>
-                <a:latin typeface="FreeMono" panose="020F0409020205020404" charset="0"/>
-                <a:ea typeface="Noto Sans Mono CJK SC" panose="020B0500000000000000" charset="-122"/>
-                <a:cs typeface="Noto Sans Mono CJK SC" panose="020B0500000000000000" charset="-122"/>
-              </a:rPr>
-              <a:t>XML作为一种传输和存储数据的格式标准，被广泛使用。微信服务器转发消息到开发者服务器使用的就是XML格式。开发者需要知道XML的基础语法，并且要知道如何解析XML。XML语法要求比较严格，这对于解析和生成XML数据来说是有好处的。</a:t>
-            </a:r>
-            <a:endParaRPr lang="zh-CN" altLang="en-US">
+              <a:rPr lang="zh-CN" altLang="en-US" sz="2400">
+                <a:solidFill>
+                  <a:schemeClr val="tx1"/>
+                </a:solidFill>
+                <a:uFillTx/>
+                <a:latin typeface="FreeMono" panose="020F0409020205020404" charset="0"/>
+                <a:ea typeface="Noto Sans Mono CJK SC" panose="020B0500000000000000" charset="-122"/>
+                <a:cs typeface="Noto Sans Mono CJK SC" panose="020B0500000000000000" charset="-122"/>
+              </a:rPr>
+              <a:t>XML作为一种传输和存储数据的格式标准，被广泛使用。微信服务器转发消息到开发者服务器使用的就是XML格式。</a:t>
+            </a:r>
+            <a:endParaRPr lang="zh-CN" altLang="en-US" sz="2400">
               <a:solidFill>
                 <a:schemeClr val="tx1"/>
               </a:solidFill>
@@ -3615,13 +3709,101 @@
             </a:endParaRPr>
           </a:p>
           <a:p>
+            <a:pPr fontAlgn="auto">
+              <a:lnSpc>
+                <a:spcPct val="150000"/>
+              </a:lnSpc>
+            </a:pPr>
+            <a:endParaRPr lang="zh-CN" altLang="en-US" sz="2400">
+              <a:solidFill>
+                <a:schemeClr val="tx1"/>
+              </a:solidFill>
+              <a:uFillTx/>
+              <a:latin typeface="FreeMono" panose="020F0409020205020404" charset="0"/>
+              <a:ea typeface="Noto Sans Mono CJK SC" panose="020B0500000000000000" charset="-122"/>
+              <a:cs typeface="Noto Sans Mono CJK SC" panose="020B0500000000000000" charset="-122"/>
+            </a:endParaRPr>
+          </a:p>
+          <a:p>
+            <a:pPr fontAlgn="auto">
+              <a:lnSpc>
+                <a:spcPct val="150000"/>
+              </a:lnSpc>
+            </a:pPr>
+            <a:r>
+              <a:rPr lang="zh-CN" altLang="en-US" sz="2400">
+                <a:solidFill>
+                  <a:schemeClr val="tx1"/>
+                </a:solidFill>
+                <a:uFillTx/>
+                <a:latin typeface="FreeMono" panose="020F0409020205020404" charset="0"/>
+                <a:ea typeface="Noto Sans Mono CJK SC" panose="020B0500000000000000" charset="-122"/>
+                <a:cs typeface="Noto Sans Mono CJK SC" panose="020B0500000000000000" charset="-122"/>
+              </a:rPr>
+              <a:t>开发者需要知道XML的基础语法，并且要知道如何解析XML。</a:t>
+            </a:r>
+            <a:endParaRPr lang="zh-CN" altLang="en-US" sz="2400">
+              <a:solidFill>
+                <a:schemeClr val="tx1"/>
+              </a:solidFill>
+              <a:uFillTx/>
+              <a:latin typeface="FreeMono" panose="020F0409020205020404" charset="0"/>
+              <a:ea typeface="Noto Sans Mono CJK SC" panose="020B0500000000000000" charset="-122"/>
+              <a:cs typeface="Noto Sans Mono CJK SC" panose="020B0500000000000000" charset="-122"/>
+            </a:endParaRPr>
+          </a:p>
+          <a:p>
+            <a:pPr fontAlgn="auto">
+              <a:lnSpc>
+                <a:spcPct val="150000"/>
+              </a:lnSpc>
+            </a:pPr>
+            <a:endParaRPr lang="zh-CN" altLang="en-US" sz="2400">
+              <a:solidFill>
+                <a:schemeClr val="tx1"/>
+              </a:solidFill>
+              <a:uFillTx/>
+              <a:latin typeface="FreeMono" panose="020F0409020205020404" charset="0"/>
+              <a:ea typeface="Noto Sans Mono CJK SC" panose="020B0500000000000000" charset="-122"/>
+              <a:cs typeface="Noto Sans Mono CJK SC" panose="020B0500000000000000" charset="-122"/>
+            </a:endParaRPr>
+          </a:p>
+          <a:p>
+            <a:pPr fontAlgn="auto">
+              <a:lnSpc>
+                <a:spcPct val="150000"/>
+              </a:lnSpc>
+            </a:pPr>
+            <a:r>
+              <a:rPr lang="zh-CN" altLang="en-US" sz="2400">
+                <a:solidFill>
+                  <a:schemeClr val="tx1"/>
+                </a:solidFill>
+                <a:uFillTx/>
+                <a:latin typeface="FreeMono" panose="020F0409020205020404" charset="0"/>
+                <a:ea typeface="Noto Sans Mono CJK SC" panose="020B0500000000000000" charset="-122"/>
+                <a:cs typeface="Noto Sans Mono CJK SC" panose="020B0500000000000000" charset="-122"/>
+              </a:rPr>
+              <a:t>XML语法要求比较严格，这对于解析和生成XML数据来说是有好处的。</a:t>
+            </a:r>
+            <a:endParaRPr lang="zh-CN" altLang="en-US" sz="2400">
+              <a:solidFill>
+                <a:schemeClr val="tx1"/>
+              </a:solidFill>
+              <a:uFillTx/>
+              <a:latin typeface="FreeMono" panose="020F0409020205020404" charset="0"/>
+              <a:ea typeface="Noto Sans Mono CJK SC" panose="020B0500000000000000" charset="-122"/>
+              <a:cs typeface="Noto Sans Mono CJK SC" panose="020B0500000000000000" charset="-122"/>
+            </a:endParaRPr>
+          </a:p>
+          <a:p>
             <a:pPr marL="0" indent="0" fontAlgn="auto">
               <a:lnSpc>
                 <a:spcPct val="150000"/>
               </a:lnSpc>
               <a:buNone/>
             </a:pPr>
-            <a:endParaRPr lang="zh-CN" altLang="en-US">
+            <a:endParaRPr lang="zh-CN" altLang="en-US" sz="2400">
               <a:solidFill>
                 <a:schemeClr val="tx1"/>
               </a:solidFill>
@@ -3696,28 +3878,27 @@
         </p:spPr>
         <p:txBody>
           <a:bodyPr>
-            <a:normAutofit lnSpcReduction="20000"/>
+            <a:normAutofit/>
           </a:bodyPr>
           <a:p>
-            <a:pPr marL="0" indent="0" fontAlgn="auto">
+            <a:pPr fontAlgn="auto">
               <a:lnSpc>
                 <a:spcPct val="150000"/>
               </a:lnSpc>
-              <a:buNone/>
             </a:pPr>
             <a:r>
-              <a:rPr lang="zh-CN" altLang="en-US">
-                <a:solidFill>
-                  <a:schemeClr val="tx1"/>
-                </a:solidFill>
-                <a:uFillTx/>
-                <a:latin typeface="FreeMono" panose="020F0409020205020404" charset="0"/>
-                <a:ea typeface="Noto Sans Mono CJK SC" panose="020B0500000000000000" charset="-122"/>
-                <a:cs typeface="Noto Sans Mono CJK SC" panose="020B0500000000000000" charset="-122"/>
-              </a:rPr>
-              <a:t>JSON也是一种用于传输和存储数据的格式，因为格式简单、轻量、解析速度比较快的特点，使用非常广泛，一些简单的应用场景已经从XML换成了JSON，AJAX就是一个很好的例子，但是JSON是不能代替XML的。</a:t>
-            </a:r>
-            <a:endParaRPr lang="zh-CN" altLang="en-US">
+              <a:rPr lang="zh-CN" altLang="en-US" sz="2400">
+                <a:solidFill>
+                  <a:schemeClr val="tx1"/>
+                </a:solidFill>
+                <a:uFillTx/>
+                <a:latin typeface="FreeMono" panose="020F0409020205020404" charset="0"/>
+                <a:ea typeface="Noto Sans Mono CJK SC" panose="020B0500000000000000" charset="-122"/>
+                <a:cs typeface="Noto Sans Mono CJK SC" panose="020B0500000000000000" charset="-122"/>
+              </a:rPr>
+              <a:t>JSON也是一种用于传输和存储数据的格式，因为格式简单、轻量、解析速度比较快的特点，使用非常广泛。</a:t>
+            </a:r>
+            <a:endParaRPr lang="zh-CN" altLang="en-US" sz="2400">
               <a:solidFill>
                 <a:schemeClr val="tx1"/>
               </a:solidFill>
@@ -3728,13 +3909,12 @@
             </a:endParaRPr>
           </a:p>
           <a:p>
-            <a:pPr marL="0" indent="0" fontAlgn="auto">
+            <a:pPr fontAlgn="auto">
               <a:lnSpc>
                 <a:spcPct val="150000"/>
               </a:lnSpc>
-              <a:buNone/>
             </a:pPr>
-            <a:endParaRPr lang="zh-CN" altLang="en-US">
+            <a:endParaRPr lang="zh-CN" altLang="en-US" sz="2400">
               <a:solidFill>
                 <a:schemeClr val="tx1"/>
               </a:solidFill>
@@ -3745,14 +3925,58 @@
             </a:endParaRPr>
           </a:p>
           <a:p>
+            <a:pPr fontAlgn="auto">
+              <a:lnSpc>
+                <a:spcPct val="150000"/>
+              </a:lnSpc>
+            </a:pPr>
+            <a:r>
+              <a:rPr lang="zh-CN" altLang="en-US" sz="2400">
+                <a:solidFill>
+                  <a:schemeClr val="tx1"/>
+                </a:solidFill>
+                <a:uFillTx/>
+                <a:latin typeface="FreeMono" panose="020F0409020205020404" charset="0"/>
+                <a:ea typeface="Noto Sans Mono CJK SC" panose="020B0500000000000000" charset="-122"/>
+                <a:cs typeface="Noto Sans Mono CJK SC" panose="020B0500000000000000" charset="-122"/>
+              </a:rPr>
+              <a:t>一些简单的应用场景已经从XML换成了JSON，AJAX就是一个很好的例子，但是JSON是不能代替XML的。</a:t>
+            </a:r>
+            <a:endParaRPr lang="zh-CN" altLang="en-US" sz="2400">
+              <a:solidFill>
+                <a:schemeClr val="tx1"/>
+              </a:solidFill>
+              <a:uFillTx/>
+              <a:latin typeface="FreeMono" panose="020F0409020205020404" charset="0"/>
+              <a:ea typeface="Noto Sans Mono CJK SC" panose="020B0500000000000000" charset="-122"/>
+              <a:cs typeface="Noto Sans Mono CJK SC" panose="020B0500000000000000" charset="-122"/>
+            </a:endParaRPr>
+          </a:p>
+          <a:p>
             <a:pPr marL="0" indent="0" fontAlgn="auto">
               <a:lnSpc>
                 <a:spcPct val="150000"/>
               </a:lnSpc>
               <a:buNone/>
             </a:pPr>
-            <a:r>
-              <a:rPr lang="zh-CN" altLang="en-US">
+            <a:endParaRPr lang="zh-CN" altLang="en-US" sz="2400">
+              <a:solidFill>
+                <a:schemeClr val="tx1"/>
+              </a:solidFill>
+              <a:uFillTx/>
+              <a:latin typeface="FreeMono" panose="020F0409020205020404" charset="0"/>
+              <a:ea typeface="Noto Sans Mono CJK SC" panose="020B0500000000000000" charset="-122"/>
+              <a:cs typeface="Noto Sans Mono CJK SC" panose="020B0500000000000000" charset="-122"/>
+            </a:endParaRPr>
+          </a:p>
+          <a:p>
+            <a:pPr fontAlgn="auto">
+              <a:lnSpc>
+                <a:spcPct val="150000"/>
+              </a:lnSpc>
+            </a:pPr>
+            <a:r>
+              <a:rPr lang="zh-CN" altLang="en-US" sz="2400">
                 <a:solidFill>
                   <a:schemeClr val="tx1"/>
                 </a:solidFill>
@@ -3764,7 +3988,7 @@
               <a:t>微信公众号接口使用</a:t>
             </a:r>
             <a:r>
-              <a:rPr lang="en-US" altLang="zh-CN">
+              <a:rPr lang="en-US" altLang="zh-CN" sz="2400">
                 <a:solidFill>
                   <a:schemeClr val="tx1"/>
                 </a:solidFill>
@@ -3776,7 +4000,7 @@
               <a:t>JSON</a:t>
             </a:r>
             <a:r>
-              <a:rPr lang="zh-CN" altLang="en-US">
+              <a:rPr lang="zh-CN" altLang="en-US" sz="2400">
                 <a:solidFill>
                   <a:schemeClr val="tx1"/>
                 </a:solidFill>
@@ -3787,7 +4011,7 @@
               </a:rPr>
               <a:t>作为数据传输格式。</a:t>
             </a:r>
-            <a:endParaRPr lang="zh-CN" altLang="en-US">
+            <a:endParaRPr lang="zh-CN" altLang="en-US" sz="2400">
               <a:solidFill>
                 <a:schemeClr val="tx1"/>
               </a:solidFill>
@@ -3867,14 +4091,13 @@
             <a:normAutofit/>
           </a:bodyPr>
           <a:p>
-            <a:pPr marL="0" indent="0" fontAlgn="auto">
+            <a:pPr fontAlgn="auto">
               <a:lnSpc>
                 <a:spcPct val="150000"/>
               </a:lnSpc>
-              <a:buNone/>
             </a:pPr>
             <a:r>
-              <a:rPr lang="zh-CN" altLang="en-US">
+              <a:rPr lang="zh-CN" altLang="en-US" sz="2400">
                 <a:solidFill>
                   <a:schemeClr val="tx1"/>
                 </a:solidFill>
@@ -3886,7 +4109,7 @@
               <a:t>尽管这不是必需的，测试接口也可以在</a:t>
             </a:r>
             <a:r>
-              <a:rPr lang="en-US" altLang="zh-CN">
+              <a:rPr lang="en-US" altLang="zh-CN" sz="2400">
                 <a:solidFill>
                   <a:schemeClr val="tx1"/>
                 </a:solidFill>
@@ -3898,7 +4121,7 @@
               <a:t>Windows</a:t>
             </a:r>
             <a:r>
-              <a:rPr lang="zh-CN" altLang="en-US">
+              <a:rPr lang="zh-CN" altLang="en-US" sz="2400">
                 <a:solidFill>
                   <a:schemeClr val="tx1"/>
                 </a:solidFill>
@@ -3910,7 +4133,7 @@
               <a:t>下进行。但是最好还是使用</a:t>
             </a:r>
             <a:r>
-              <a:rPr lang="en-US" altLang="zh-CN">
+              <a:rPr lang="en-US" altLang="zh-CN" sz="2400">
                 <a:solidFill>
                   <a:schemeClr val="tx1"/>
                 </a:solidFill>
@@ -3922,7 +4145,7 @@
               <a:t>Linux</a:t>
             </a:r>
             <a:r>
-              <a:rPr lang="zh-CN" altLang="en-US">
+              <a:rPr lang="zh-CN" altLang="en-US" sz="2400">
                 <a:solidFill>
                   <a:schemeClr val="tx1"/>
                 </a:solidFill>
@@ -3934,7 +4157,7 @@
               <a:t>作为开发环境。并且大部分公司生产环境的部署都是</a:t>
             </a:r>
             <a:r>
-              <a:rPr lang="en-US" altLang="zh-CN">
+              <a:rPr lang="en-US" altLang="zh-CN" sz="2400">
                 <a:solidFill>
                   <a:schemeClr val="tx1"/>
                 </a:solidFill>
@@ -3946,7 +4169,7 @@
               <a:t>Linux</a:t>
             </a:r>
             <a:r>
-              <a:rPr lang="zh-CN" altLang="en-US">
+              <a:rPr lang="zh-CN" altLang="en-US" sz="2400">
                 <a:solidFill>
                   <a:schemeClr val="tx1"/>
                 </a:solidFill>
@@ -3957,7 +4180,7 @@
               </a:rPr>
               <a:t>。</a:t>
             </a:r>
-            <a:endParaRPr lang="zh-CN" altLang="en-US">
+            <a:endParaRPr lang="zh-CN" altLang="en-US" sz="2400">
               <a:solidFill>
                 <a:schemeClr val="tx1"/>
               </a:solidFill>
@@ -3968,97 +4191,12 @@
             </a:endParaRPr>
           </a:p>
           <a:p>
-            <a:pPr marL="0" indent="0" fontAlgn="auto">
+            <a:pPr fontAlgn="auto">
               <a:lnSpc>
                 <a:spcPct val="150000"/>
               </a:lnSpc>
-              <a:buNone/>
             </a:pPr>
-            <a:r>
-              <a:rPr lang="zh-CN" altLang="en-US">
-                <a:solidFill>
-                  <a:schemeClr val="tx1"/>
-                </a:solidFill>
-                <a:uFillTx/>
-                <a:latin typeface="FreeMono" panose="020F0409020205020404" charset="0"/>
-                <a:ea typeface="Noto Sans Mono CJK SC" panose="020B0500000000000000" charset="-122"/>
-                <a:cs typeface="Noto Sans Mono CJK SC" panose="020B0500000000000000" charset="-122"/>
-              </a:rPr>
-              <a:t>微信小程序的集成开发环境只提供了</a:t>
-            </a:r>
-            <a:r>
-              <a:rPr lang="en-US" altLang="zh-CN">
-                <a:solidFill>
-                  <a:schemeClr val="tx1"/>
-                </a:solidFill>
-                <a:uFillTx/>
-                <a:latin typeface="FreeMono" panose="020F0409020205020404" charset="0"/>
-                <a:ea typeface="Noto Sans Mono CJK SC" panose="020B0500000000000000" charset="-122"/>
-                <a:cs typeface="Noto Sans Mono CJK SC" panose="020B0500000000000000" charset="-122"/>
-              </a:rPr>
-              <a:t>Windows</a:t>
-            </a:r>
-            <a:r>
-              <a:rPr lang="zh-CN" altLang="en-US">
-                <a:solidFill>
-                  <a:schemeClr val="tx1"/>
-                </a:solidFill>
-                <a:uFillTx/>
-                <a:latin typeface="FreeMono" panose="020F0409020205020404" charset="0"/>
-                <a:ea typeface="Noto Sans Mono CJK SC" panose="020B0500000000000000" charset="-122"/>
-                <a:cs typeface="Noto Sans Mono CJK SC" panose="020B0500000000000000" charset="-122"/>
-              </a:rPr>
-              <a:t>和</a:t>
-            </a:r>
-            <a:r>
-              <a:rPr lang="en-US" altLang="zh-CN">
-                <a:solidFill>
-                  <a:schemeClr val="tx1"/>
-                </a:solidFill>
-                <a:uFillTx/>
-                <a:latin typeface="FreeMono" panose="020F0409020205020404" charset="0"/>
-                <a:ea typeface="Noto Sans Mono CJK SC" panose="020B0500000000000000" charset="-122"/>
-                <a:cs typeface="Noto Sans Mono CJK SC" panose="020B0500000000000000" charset="-122"/>
-              </a:rPr>
-              <a:t>MacOS</a:t>
-            </a:r>
-            <a:r>
-              <a:rPr lang="zh-CN" altLang="en-US">
-                <a:solidFill>
-                  <a:schemeClr val="tx1"/>
-                </a:solidFill>
-                <a:uFillTx/>
-                <a:latin typeface="FreeMono" panose="020F0409020205020404" charset="0"/>
-                <a:ea typeface="Noto Sans Mono CJK SC" panose="020B0500000000000000" charset="-122"/>
-                <a:cs typeface="Noto Sans Mono CJK SC" panose="020B0500000000000000" charset="-122"/>
-              </a:rPr>
-              <a:t>版本，主要用于小程序的开发，测试等，小程序对接的后台服务仍然运行在</a:t>
-            </a:r>
-            <a:r>
-              <a:rPr lang="en-US" altLang="zh-CN">
-                <a:solidFill>
-                  <a:schemeClr val="tx1"/>
-                </a:solidFill>
-                <a:uFillTx/>
-                <a:latin typeface="FreeMono" panose="020F0409020205020404" charset="0"/>
-                <a:ea typeface="Noto Sans Mono CJK SC" panose="020B0500000000000000" charset="-122"/>
-                <a:cs typeface="Noto Sans Mono CJK SC" panose="020B0500000000000000" charset="-122"/>
-              </a:rPr>
-              <a:t>Linux</a:t>
-            </a:r>
-            <a:r>
-              <a:rPr lang="zh-CN" altLang="en-US">
-                <a:solidFill>
-                  <a:schemeClr val="tx1"/>
-                </a:solidFill>
-                <a:uFillTx/>
-                <a:latin typeface="FreeMono" panose="020F0409020205020404" charset="0"/>
-                <a:ea typeface="Noto Sans Mono CJK SC" panose="020B0500000000000000" charset="-122"/>
-                <a:cs typeface="Noto Sans Mono CJK SC" panose="020B0500000000000000" charset="-122"/>
-              </a:rPr>
-              <a:t>上。</a:t>
-            </a:r>
-            <a:endParaRPr lang="zh-CN" altLang="en-US">
+            <a:endParaRPr lang="zh-CN" altLang="en-US" sz="2400">
               <a:solidFill>
                 <a:schemeClr val="tx1"/>
               </a:solidFill>
@@ -4069,14 +4207,129 @@
             </a:endParaRPr>
           </a:p>
           <a:p>
-            <a:pPr marL="0" indent="0" fontAlgn="auto">
+            <a:pPr fontAlgn="auto">
               <a:lnSpc>
                 <a:spcPct val="150000"/>
               </a:lnSpc>
-              <a:buNone/>
             </a:pPr>
             <a:r>
-              <a:rPr lang="zh-CN" altLang="en-US">
+              <a:rPr lang="zh-CN" altLang="en-US" sz="2400">
+                <a:solidFill>
+                  <a:schemeClr val="tx1"/>
+                </a:solidFill>
+                <a:uFillTx/>
+                <a:latin typeface="FreeMono" panose="020F0409020205020404" charset="0"/>
+                <a:ea typeface="Noto Sans Mono CJK SC" panose="020B0500000000000000" charset="-122"/>
+                <a:cs typeface="Noto Sans Mono CJK SC" panose="020B0500000000000000" charset="-122"/>
+              </a:rPr>
+              <a:t>微信小程序的集成开发环境只提供了</a:t>
+            </a:r>
+            <a:r>
+              <a:rPr lang="en-US" altLang="zh-CN" sz="2400">
+                <a:solidFill>
+                  <a:schemeClr val="tx1"/>
+                </a:solidFill>
+                <a:uFillTx/>
+                <a:latin typeface="FreeMono" panose="020F0409020205020404" charset="0"/>
+                <a:ea typeface="Noto Sans Mono CJK SC" panose="020B0500000000000000" charset="-122"/>
+                <a:cs typeface="Noto Sans Mono CJK SC" panose="020B0500000000000000" charset="-122"/>
+              </a:rPr>
+              <a:t>Windows</a:t>
+            </a:r>
+            <a:r>
+              <a:rPr lang="zh-CN" altLang="en-US" sz="2400">
+                <a:solidFill>
+                  <a:schemeClr val="tx1"/>
+                </a:solidFill>
+                <a:uFillTx/>
+                <a:latin typeface="FreeMono" panose="020F0409020205020404" charset="0"/>
+                <a:ea typeface="Noto Sans Mono CJK SC" panose="020B0500000000000000" charset="-122"/>
+                <a:cs typeface="Noto Sans Mono CJK SC" panose="020B0500000000000000" charset="-122"/>
+              </a:rPr>
+              <a:t>和</a:t>
+            </a:r>
+            <a:r>
+              <a:rPr lang="en-US" altLang="zh-CN" sz="2400">
+                <a:solidFill>
+                  <a:schemeClr val="tx1"/>
+                </a:solidFill>
+                <a:uFillTx/>
+                <a:latin typeface="FreeMono" panose="020F0409020205020404" charset="0"/>
+                <a:ea typeface="Noto Sans Mono CJK SC" panose="020B0500000000000000" charset="-122"/>
+                <a:cs typeface="Noto Sans Mono CJK SC" panose="020B0500000000000000" charset="-122"/>
+              </a:rPr>
+              <a:t>MacOS</a:t>
+            </a:r>
+            <a:r>
+              <a:rPr lang="zh-CN" altLang="en-US" sz="2400">
+                <a:solidFill>
+                  <a:schemeClr val="tx1"/>
+                </a:solidFill>
+                <a:uFillTx/>
+                <a:latin typeface="FreeMono" panose="020F0409020205020404" charset="0"/>
+                <a:ea typeface="Noto Sans Mono CJK SC" panose="020B0500000000000000" charset="-122"/>
+                <a:cs typeface="Noto Sans Mono CJK SC" panose="020B0500000000000000" charset="-122"/>
+              </a:rPr>
+              <a:t>版本，主要用于小程序的开发，测试等，小程序对接的后台服务仍然运行在</a:t>
+            </a:r>
+            <a:r>
+              <a:rPr lang="en-US" altLang="zh-CN" sz="2400">
+                <a:solidFill>
+                  <a:schemeClr val="tx1"/>
+                </a:solidFill>
+                <a:uFillTx/>
+                <a:latin typeface="FreeMono" panose="020F0409020205020404" charset="0"/>
+                <a:ea typeface="Noto Sans Mono CJK SC" panose="020B0500000000000000" charset="-122"/>
+                <a:cs typeface="Noto Sans Mono CJK SC" panose="020B0500000000000000" charset="-122"/>
+              </a:rPr>
+              <a:t>Linux</a:t>
+            </a:r>
+            <a:r>
+              <a:rPr lang="zh-CN" altLang="en-US" sz="2400">
+                <a:solidFill>
+                  <a:schemeClr val="tx1"/>
+                </a:solidFill>
+                <a:uFillTx/>
+                <a:latin typeface="FreeMono" panose="020F0409020205020404" charset="0"/>
+                <a:ea typeface="Noto Sans Mono CJK SC" panose="020B0500000000000000" charset="-122"/>
+                <a:cs typeface="Noto Sans Mono CJK SC" panose="020B0500000000000000" charset="-122"/>
+              </a:rPr>
+              <a:t>上。</a:t>
+            </a:r>
+            <a:endParaRPr lang="zh-CN" altLang="en-US" sz="2400">
+              <a:solidFill>
+                <a:schemeClr val="tx1"/>
+              </a:solidFill>
+              <a:uFillTx/>
+              <a:latin typeface="FreeMono" panose="020F0409020205020404" charset="0"/>
+              <a:ea typeface="Noto Sans Mono CJK SC" panose="020B0500000000000000" charset="-122"/>
+              <a:cs typeface="Noto Sans Mono CJK SC" panose="020B0500000000000000" charset="-122"/>
+            </a:endParaRPr>
+          </a:p>
+          <a:p>
+            <a:pPr fontAlgn="auto">
+              <a:lnSpc>
+                <a:spcPct val="150000"/>
+              </a:lnSpc>
+            </a:pPr>
+            <a:endParaRPr lang="zh-CN" altLang="en-US" sz="2400">
+              <a:solidFill>
+                <a:schemeClr val="tx1"/>
+              </a:solidFill>
+              <a:uFillTx/>
+              <a:latin typeface="FreeMono" panose="020F0409020205020404" charset="0"/>
+              <a:ea typeface="Noto Sans Mono CJK SC" panose="020B0500000000000000" charset="-122"/>
+              <a:cs typeface="Noto Sans Mono CJK SC" panose="020B0500000000000000" charset="-122"/>
+            </a:endParaRPr>
+          </a:p>
+          <a:p>
+            <a:pPr fontAlgn="auto">
+              <a:lnSpc>
+                <a:spcPct val="150000"/>
+              </a:lnSpc>
+            </a:pPr>
+            <a:r>
+              <a:rPr lang="zh-CN" altLang="en-US" sz="2400">
                 <a:solidFill>
                   <a:schemeClr val="tx1"/>
                 </a:solidFill>
@@ -4087,7 +4340,7 @@
               </a:rPr>
               <a:t>所以对不同的场景选择合适的工具。</a:t>
             </a:r>
-            <a:endParaRPr lang="zh-CN" altLang="en-US">
+            <a:endParaRPr lang="zh-CN" altLang="en-US" sz="2400">
               <a:solidFill>
                 <a:schemeClr val="tx1"/>
               </a:solidFill>
@@ -4167,14 +4420,13 @@
             <a:normAutofit/>
           </a:bodyPr>
           <a:p>
-            <a:pPr marL="0" indent="0" fontAlgn="auto">
+            <a:pPr fontAlgn="auto">
               <a:lnSpc>
                 <a:spcPct val="150000"/>
               </a:lnSpc>
-              <a:buNone/>
             </a:pPr>
             <a:r>
-              <a:rPr lang="zh-CN" altLang="en-US">
+              <a:rPr lang="zh-CN" altLang="en-US" sz="2400">
                 <a:solidFill>
                   <a:schemeClr val="tx1"/>
                 </a:solidFill>
@@ -4185,7 +4437,7 @@
               </a:rPr>
               <a:t>用于和微信服务器对接的场景，有可能会用到数据库记录用户数据，或者需要做一些业务处理比如订单。</a:t>
             </a:r>
-            <a:endParaRPr lang="zh-CN" altLang="en-US">
+            <a:endParaRPr lang="zh-CN" altLang="en-US" sz="2400">
               <a:solidFill>
                 <a:schemeClr val="tx1"/>
               </a:solidFill>
@@ -4196,26 +4448,69 @@
             </a:endParaRPr>
           </a:p>
           <a:p>
-            <a:pPr marL="0" indent="0" fontAlgn="auto">
+            <a:pPr fontAlgn="auto">
               <a:lnSpc>
                 <a:spcPct val="150000"/>
               </a:lnSpc>
-              <a:buNone/>
             </a:pPr>
             <a:r>
-              <a:rPr lang="zh-CN" altLang="en-US">
-                <a:solidFill>
-                  <a:schemeClr val="tx1"/>
-                </a:solidFill>
-                <a:uFillTx/>
-                <a:latin typeface="FreeMono" panose="020F0409020205020404" charset="0"/>
-                <a:ea typeface="Noto Sans Mono CJK SC" panose="020B0500000000000000" charset="-122"/>
-                <a:cs typeface="Noto Sans Mono CJK SC" panose="020B0500000000000000" charset="-122"/>
-              </a:rPr>
-              <a:t>开发者需要具备使用编程语言操作数据库的能力，本课程使用了</a:t>
-            </a:r>
-            <a:r>
-              <a:rPr lang="en-US" altLang="zh-CN">
+              <a:rPr lang="zh-CN" altLang="en-US" sz="2400">
+                <a:solidFill>
+                  <a:schemeClr val="tx1"/>
+                </a:solidFill>
+                <a:uFillTx/>
+                <a:latin typeface="FreeMono" panose="020F0409020205020404" charset="0"/>
+                <a:ea typeface="Noto Sans Mono CJK SC" panose="020B0500000000000000" charset="-122"/>
+                <a:cs typeface="Noto Sans Mono CJK SC" panose="020B0500000000000000" charset="-122"/>
+              </a:rPr>
+              <a:t>开发者需要具备使用编程语言操作数据库的能力。</a:t>
+            </a:r>
+            <a:endParaRPr lang="zh-CN" altLang="en-US" sz="2400">
+              <a:solidFill>
+                <a:schemeClr val="tx1"/>
+              </a:solidFill>
+              <a:uFillTx/>
+              <a:latin typeface="FreeMono" panose="020F0409020205020404" charset="0"/>
+              <a:ea typeface="Noto Sans Mono CJK SC" panose="020B0500000000000000" charset="-122"/>
+              <a:cs typeface="Noto Sans Mono CJK SC" panose="020B0500000000000000" charset="-122"/>
+            </a:endParaRPr>
+          </a:p>
+          <a:p>
+            <a:pPr fontAlgn="auto">
+              <a:lnSpc>
+                <a:spcPct val="150000"/>
+              </a:lnSpc>
+            </a:pPr>
+            <a:endParaRPr lang="zh-CN" altLang="en-US" sz="2400">
+              <a:solidFill>
+                <a:schemeClr val="tx1"/>
+              </a:solidFill>
+              <a:uFillTx/>
+              <a:latin typeface="FreeMono" panose="020F0409020205020404" charset="0"/>
+              <a:ea typeface="Noto Sans Mono CJK SC" panose="020B0500000000000000" charset="-122"/>
+              <a:cs typeface="Noto Sans Mono CJK SC" panose="020B0500000000000000" charset="-122"/>
+            </a:endParaRPr>
+          </a:p>
+          <a:p>
+            <a:pPr fontAlgn="auto">
+              <a:lnSpc>
+                <a:spcPct val="150000"/>
+              </a:lnSpc>
+            </a:pPr>
+            <a:r>
+              <a:rPr lang="zh-CN" altLang="en-US" sz="2400">
+                <a:solidFill>
+                  <a:schemeClr val="tx1"/>
+                </a:solidFill>
+                <a:uFillTx/>
+                <a:latin typeface="FreeMono" panose="020F0409020205020404" charset="0"/>
+                <a:ea typeface="Noto Sans Mono CJK SC" panose="020B0500000000000000" charset="-122"/>
+                <a:cs typeface="Noto Sans Mono CJK SC" panose="020B0500000000000000" charset="-122"/>
+              </a:rPr>
+              <a:t>本课程使用了</a:t>
+            </a:r>
+            <a:r>
+              <a:rPr lang="en-US" altLang="zh-CN" sz="2400">
                 <a:solidFill>
                   <a:schemeClr val="tx1"/>
                 </a:solidFill>
@@ -4227,7 +4522,7 @@
               <a:t>MariaDB</a:t>
             </a:r>
             <a:r>
-              <a:rPr lang="zh-CN" altLang="en-US">
+              <a:rPr lang="zh-CN" altLang="en-US" sz="2400">
                 <a:solidFill>
                   <a:schemeClr val="tx1"/>
                 </a:solidFill>
@@ -4239,7 +4534,7 @@
               <a:t>数据库软件：这个软件是</a:t>
             </a:r>
             <a:r>
-              <a:rPr lang="en-US" altLang="zh-CN">
+              <a:rPr lang="en-US" altLang="zh-CN" sz="2400">
                 <a:solidFill>
                   <a:schemeClr val="tx1"/>
                 </a:solidFill>
@@ -4251,7 +4546,7 @@
               <a:t>MySQL</a:t>
             </a:r>
             <a:r>
-              <a:rPr lang="zh-CN" altLang="en-US">
+              <a:rPr lang="zh-CN" altLang="en-US" sz="2400">
                 <a:solidFill>
                   <a:schemeClr val="tx1"/>
                 </a:solidFill>
@@ -4263,7 +4558,7 @@
               <a:t>创始人创建的一个</a:t>
             </a:r>
             <a:r>
-              <a:rPr lang="en-US" altLang="zh-CN">
+              <a:rPr lang="en-US" altLang="zh-CN" sz="2400">
                 <a:solidFill>
                   <a:schemeClr val="tx1"/>
                 </a:solidFill>
@@ -4275,7 +4570,7 @@
               <a:t>MySQL</a:t>
             </a:r>
             <a:r>
-              <a:rPr lang="zh-CN" altLang="en-US">
+              <a:rPr lang="zh-CN" altLang="en-US" sz="2400">
                 <a:solidFill>
                   <a:schemeClr val="tx1"/>
                 </a:solidFill>
@@ -4287,7 +4582,7 @@
               <a:t>分支，现在已经独立开发，是绝对开源的，使用方式和</a:t>
             </a:r>
             <a:r>
-              <a:rPr lang="en-US" altLang="zh-CN">
+              <a:rPr lang="en-US" altLang="zh-CN" sz="2400">
                 <a:solidFill>
                   <a:schemeClr val="tx1"/>
                 </a:solidFill>
@@ -4299,7 +4594,7 @@
               <a:t>MySQL</a:t>
             </a:r>
             <a:r>
-              <a:rPr lang="zh-CN" altLang="en-US">
+              <a:rPr lang="zh-CN" altLang="en-US" sz="2400">
                 <a:solidFill>
                   <a:schemeClr val="tx1"/>
                 </a:solidFill>
@@ -4310,7 +4605,7 @@
               </a:rPr>
               <a:t>相同。</a:t>
             </a:r>
-            <a:endParaRPr lang="zh-CN" altLang="en-US">
+            <a:endParaRPr lang="zh-CN" altLang="en-US" sz="2400">
               <a:solidFill>
                 <a:schemeClr val="tx1"/>
               </a:solidFill>
@@ -4388,14 +4683,13 @@
             <a:normAutofit/>
           </a:bodyPr>
           <a:p>
-            <a:pPr marL="0" indent="0" fontAlgn="auto">
+            <a:pPr fontAlgn="auto">
               <a:lnSpc>
                 <a:spcPct val="150000"/>
               </a:lnSpc>
-              <a:buNone/>
             </a:pPr>
             <a:r>
-              <a:rPr lang="zh-CN" altLang="en-US">
+              <a:rPr lang="zh-CN" altLang="en-US" sz="2400">
                 <a:solidFill>
                   <a:schemeClr val="tx1"/>
                 </a:solidFill>
@@ -4406,7 +4700,7 @@
               </a:rPr>
               <a:t>国内的云服务器提供商很多，比较好的是阿里云和腾讯云。</a:t>
             </a:r>
-            <a:endParaRPr lang="zh-CN" altLang="en-US">
+            <a:endParaRPr lang="zh-CN" altLang="en-US" sz="2400">
               <a:solidFill>
                 <a:schemeClr val="tx1"/>
               </a:solidFill>
@@ -4417,49 +4711,24 @@
             </a:endParaRPr>
           </a:p>
           <a:p>
-            <a:pPr marL="0" indent="0" fontAlgn="auto">
+            <a:pPr fontAlgn="auto">
               <a:lnSpc>
                 <a:spcPct val="150000"/>
               </a:lnSpc>
-              <a:buNone/>
             </a:pPr>
             <a:r>
-              <a:rPr lang="zh-CN" altLang="en-US">
-                <a:solidFill>
-                  <a:schemeClr val="tx1"/>
-                </a:solidFill>
-                <a:uFillTx/>
-                <a:latin typeface="FreeMono" panose="020F0409020205020404" charset="0"/>
-                <a:ea typeface="Noto Sans Mono CJK SC" panose="020B0500000000000000" charset="-122"/>
-                <a:cs typeface="Noto Sans Mono CJK SC" panose="020B0500000000000000" charset="-122"/>
-              </a:rPr>
-              <a:t>搭建云服务器环境需要的条件：域名</a:t>
-            </a:r>
-            <a:r>
-              <a:rPr lang="en-US" altLang="zh-CN">
-                <a:solidFill>
-                  <a:schemeClr val="tx1"/>
-                </a:solidFill>
-                <a:uFillTx/>
-                <a:latin typeface="FreeMono" panose="020F0409020205020404" charset="0"/>
-                <a:ea typeface="Noto Sans Mono CJK SC" panose="020B0500000000000000" charset="-122"/>
-                <a:cs typeface="Noto Sans Mono CJK SC" panose="020B0500000000000000" charset="-122"/>
-              </a:rPr>
-              <a:t>+</a:t>
-            </a:r>
-            <a:r>
-              <a:rPr lang="zh-CN" altLang="en-US">
-                <a:solidFill>
-                  <a:schemeClr val="tx1"/>
-                </a:solidFill>
-                <a:uFillTx/>
-                <a:latin typeface="FreeMono" panose="020F0409020205020404" charset="0"/>
-                <a:ea typeface="Noto Sans Mono CJK SC" panose="020B0500000000000000" charset="-122"/>
-                <a:cs typeface="Noto Sans Mono CJK SC" panose="020B0500000000000000" charset="-122"/>
-              </a:rPr>
-              <a:t>云服务器。</a:t>
-            </a:r>
-            <a:endParaRPr lang="zh-CN" altLang="en-US">
+              <a:rPr lang="zh-CN" altLang="en-US" sz="2400">
+                <a:solidFill>
+                  <a:schemeClr val="tx1"/>
+                </a:solidFill>
+                <a:uFillTx/>
+                <a:latin typeface="FreeMono" panose="020F0409020205020404" charset="0"/>
+                <a:ea typeface="Noto Sans Mono CJK SC" panose="020B0500000000000000" charset="-122"/>
+                <a:cs typeface="Noto Sans Mono CJK SC" panose="020B0500000000000000" charset="-122"/>
+              </a:rPr>
+              <a:t>搭建云服务器环境需要的条件：</a:t>
+            </a:r>
+            <a:endParaRPr lang="zh-CN" altLang="en-US" sz="2400">
               <a:solidFill>
                 <a:schemeClr val="tx1"/>
               </a:solidFill>
@@ -4470,14 +4739,82 @@
             </a:endParaRPr>
           </a:p>
           <a:p>
-            <a:pPr marL="0" indent="0" fontAlgn="auto">
+            <a:pPr marL="457200" lvl="1" indent="0" fontAlgn="auto">
               <a:lnSpc>
                 <a:spcPct val="150000"/>
               </a:lnSpc>
               <a:buNone/>
             </a:pPr>
             <a:r>
-              <a:rPr lang="zh-CN" altLang="en-US">
+              <a:rPr lang="zh-CN" altLang="en-US" sz="2200">
+                <a:solidFill>
+                  <a:schemeClr val="tx1"/>
+                </a:solidFill>
+                <a:uFillTx/>
+                <a:latin typeface="FreeMono" panose="020F0409020205020404" charset="0"/>
+                <a:ea typeface="Noto Sans Mono CJK SC" panose="020B0500000000000000" charset="-122"/>
+                <a:cs typeface="Noto Sans Mono CJK SC" panose="020B0500000000000000" charset="-122"/>
+              </a:rPr>
+              <a:t>域名</a:t>
+            </a:r>
+            <a:r>
+              <a:rPr lang="en-US" altLang="zh-CN" sz="2200">
+                <a:solidFill>
+                  <a:schemeClr val="tx1"/>
+                </a:solidFill>
+                <a:uFillTx/>
+                <a:latin typeface="FreeMono" panose="020F0409020205020404" charset="0"/>
+                <a:ea typeface="Noto Sans Mono CJK SC" panose="020B0500000000000000" charset="-122"/>
+                <a:cs typeface="Noto Sans Mono CJK SC" panose="020B0500000000000000" charset="-122"/>
+              </a:rPr>
+              <a:t>+</a:t>
+            </a:r>
+            <a:r>
+              <a:rPr lang="zh-CN" altLang="en-US" sz="2200">
+                <a:solidFill>
+                  <a:schemeClr val="tx1"/>
+                </a:solidFill>
+                <a:uFillTx/>
+                <a:latin typeface="FreeMono" panose="020F0409020205020404" charset="0"/>
+                <a:ea typeface="Noto Sans Mono CJK SC" panose="020B0500000000000000" charset="-122"/>
+                <a:cs typeface="Noto Sans Mono CJK SC" panose="020B0500000000000000" charset="-122"/>
+              </a:rPr>
+              <a:t>云服务器，并且在中国大陆的域名和服务器要备案。</a:t>
+            </a:r>
+            <a:endParaRPr lang="zh-CN" altLang="en-US" sz="2055">
+              <a:solidFill>
+                <a:schemeClr val="tx1"/>
+              </a:solidFill>
+              <a:uFillTx/>
+              <a:latin typeface="FreeMono" panose="020F0409020205020404" charset="0"/>
+              <a:ea typeface="Noto Sans Mono CJK SC" panose="020B0500000000000000" charset="-122"/>
+              <a:cs typeface="Noto Sans Mono CJK SC" panose="020B0500000000000000" charset="-122"/>
+            </a:endParaRPr>
+          </a:p>
+          <a:p>
+            <a:pPr fontAlgn="auto">
+              <a:lnSpc>
+                <a:spcPct val="150000"/>
+              </a:lnSpc>
+            </a:pPr>
+            <a:endParaRPr lang="zh-CN" altLang="en-US" sz="2400">
+              <a:solidFill>
+                <a:schemeClr val="tx1"/>
+              </a:solidFill>
+              <a:uFillTx/>
+              <a:latin typeface="FreeMono" panose="020F0409020205020404" charset="0"/>
+              <a:ea typeface="Noto Sans Mono CJK SC" panose="020B0500000000000000" charset="-122"/>
+              <a:cs typeface="Noto Sans Mono CJK SC" panose="020B0500000000000000" charset="-122"/>
+            </a:endParaRPr>
+          </a:p>
+          <a:p>
+            <a:pPr fontAlgn="auto">
+              <a:lnSpc>
+                <a:spcPct val="150000"/>
+              </a:lnSpc>
+            </a:pPr>
+            <a:r>
+              <a:rPr lang="zh-CN" altLang="en-US" sz="2400">
                 <a:solidFill>
                   <a:schemeClr val="tx1"/>
                 </a:solidFill>
@@ -4489,7 +4826,7 @@
               <a:t>把域名解析到云服务器的</a:t>
             </a:r>
             <a:r>
-              <a:rPr lang="en-US" altLang="zh-CN">
+              <a:rPr lang="en-US" altLang="zh-CN" sz="2400">
                 <a:solidFill>
                   <a:schemeClr val="tx1"/>
                 </a:solidFill>
@@ -4501,7 +4838,7 @@
               <a:t>IP</a:t>
             </a:r>
             <a:r>
-              <a:rPr lang="zh-CN" altLang="en-US">
+              <a:rPr lang="zh-CN" altLang="en-US" sz="2400">
                 <a:solidFill>
                   <a:schemeClr val="tx1"/>
                 </a:solidFill>
@@ -4513,7 +4850,7 @@
               <a:t>地址，防火墙配置要开启</a:t>
             </a:r>
             <a:r>
-              <a:rPr lang="en-US" altLang="zh-CN">
+              <a:rPr lang="en-US" altLang="zh-CN" sz="2400">
                 <a:solidFill>
                   <a:schemeClr val="tx1"/>
                 </a:solidFill>
@@ -4525,7 +4862,7 @@
               <a:t>80</a:t>
             </a:r>
             <a:r>
-              <a:rPr lang="zh-CN" altLang="en-US">
+              <a:rPr lang="zh-CN" altLang="en-US" sz="2400">
                 <a:solidFill>
                   <a:schemeClr val="tx1"/>
                 </a:solidFill>
@@ -4537,7 +4874,7 @@
               <a:t>和</a:t>
             </a:r>
             <a:r>
-              <a:rPr lang="en-US" altLang="zh-CN">
+              <a:rPr lang="en-US" altLang="zh-CN" sz="2400">
                 <a:solidFill>
                   <a:schemeClr val="tx1"/>
                 </a:solidFill>
@@ -4549,7 +4886,7 @@
               <a:t>443</a:t>
             </a:r>
             <a:r>
-              <a:rPr lang="zh-CN" altLang="en-US">
+              <a:rPr lang="zh-CN" altLang="en-US" sz="2400">
                 <a:solidFill>
                   <a:schemeClr val="tx1"/>
                 </a:solidFill>
@@ -4560,7 +4897,7 @@
               </a:rPr>
               <a:t>端口。这些操作都在云厂商的控制台页面操作。</a:t>
             </a:r>
-            <a:endParaRPr lang="zh-CN" altLang="en-US">
+            <a:endParaRPr lang="zh-CN" altLang="en-US" sz="2400">
               <a:solidFill>
                 <a:schemeClr val="tx1"/>
               </a:solidFill>
